--- a/BrandManagement.pptx
+++ b/BrandManagement.pptx
@@ -13,7 +13,7 @@
   <p:sldIdLst>
     <p:sldId id="848" r:id="rId2"/>
     <p:sldId id="849" r:id="rId3"/>
-    <p:sldId id="862" r:id="rId4"/>
+    <p:sldId id="869" r:id="rId4"/>
     <p:sldId id="868" r:id="rId5"/>
     <p:sldId id="865" r:id="rId6"/>
     <p:sldId id="866" r:id="rId7"/>
@@ -256,20 +256,6 @@
 </p:cmAuthorLst>
 </file>
 
-<file path=ppt/comments/comment1.xml><?xml version="1.0" encoding="utf-8"?>
-<p:cmLst xmlns:a="http://schemas.openxmlformats.org/drawingml/2006/main" xmlns:r="http://schemas.openxmlformats.org/officeDocument/2006/relationships" xmlns:p="http://schemas.openxmlformats.org/presentationml/2006/main">
-  <p:cm authorId="2" dt="2020-04-21T12:14:57.124" idx="1">
-    <p:pos x="10" y="10"/>
-    <p:text>take out spell-check</p:text>
-    <p:extLst>
-      <p:ext uri="{C676402C-5697-4E1C-873F-D02D1690AC5C}">
-        <p15:threadingInfo xmlns:p15="http://schemas.microsoft.com/office/powerpoint/2012/main" timeZoneBias="-120"/>
-      </p:ext>
-    </p:extLst>
-  </p:cm>
-</p:cmLst>
-</file>
-
 <file path=ppt/diagrams/colors1.xml><?xml version="1.0" encoding="utf-8"?>
 <dgm:colorsDef xmlns:dgm="http://schemas.openxmlformats.org/drawingml/2006/diagram" xmlns:a="http://schemas.openxmlformats.org/drawingml/2006/main" uniqueId="urn:microsoft.com/office/officeart/2005/8/colors/accent2_2">
   <dgm:title val=""/>
@@ -4827,7 +4813,7 @@
       <dgm:spPr/>
     </dgm:pt>
     <dgm:pt modelId="{C09B49A9-F287-466D-9FA8-2969A250D43B}" type="pres">
-      <dgm:prSet presAssocID="{4F70F4CF-DD21-4008-B481-6BA6CFA8606F}" presName="desTx" presStyleLbl="alignAccFollowNode1" presStyleIdx="0" presStyleCnt="1">
+      <dgm:prSet presAssocID="{4F70F4CF-DD21-4008-B481-6BA6CFA8606F}" presName="desTx" presStyleLbl="alignAccFollowNode1" presStyleIdx="0" presStyleCnt="1" custLinFactNeighborX="-1040">
         <dgm:presLayoutVars>
           <dgm:bulletEnabled val="1"/>
         </dgm:presLayoutVars>
@@ -13961,7 +13947,7 @@
             <a:fld id="{1766B9EA-E083-A94D-96A5-C5476B884CFE}" type="datetime1">
               <a:rPr lang="en-US"/>
               <a:pPr/>
-              <a:t>4/26/2020</a:t>
+              <a:t>4/27/2020</a:t>
             </a:fld>
             <a:endParaRPr lang="en-US"/>
           </a:p>
@@ -14038,7 +14024,7 @@
             <a:fld id="{B97C6CC3-1B99-CC41-8C4F-FD94DC1E3784}" type="slidenum">
               <a:rPr lang="en-US"/>
               <a:pPr/>
-              <a:t>‹#›</a:t>
+              <a:t>‹Nr.›</a:t>
             </a:fld>
             <a:endParaRPr lang="en-US"/>
           </a:p>
@@ -14152,7 +14138,7 @@
             <a:fld id="{3598794E-35F3-8D48-B244-F21DA91EADA9}" type="datetime1">
               <a:rPr lang="en-US"/>
               <a:pPr/>
-              <a:t>4/26/2020</a:t>
+              <a:t>4/27/2020</a:t>
             </a:fld>
             <a:endParaRPr lang="en-US"/>
           </a:p>
@@ -14325,7 +14311,7 @@
             <a:fld id="{2A9D45BF-071E-7C44-BE90-B011D0240A3E}" type="slidenum">
               <a:rPr lang="en-US"/>
               <a:pPr/>
-              <a:t>‹#›</a:t>
+              <a:t>‹Nr.›</a:t>
             </a:fld>
             <a:endParaRPr lang="en-US"/>
           </a:p>
@@ -14563,7 +14549,15 @@
             </a:r>
             <a:r>
               <a:rPr lang="de-CH" baseline="0" dirty="0"/>
-              <a:t> a loot at </a:t>
+              <a:t> a </a:t>
+            </a:r>
+            <a:r>
+              <a:rPr lang="de-CH" baseline="0" dirty="0" err="1"/>
+              <a:t>look</a:t>
+            </a:r>
+            <a:r>
+              <a:rPr lang="de-CH" baseline="0" dirty="0"/>
+              <a:t> at </a:t>
             </a:r>
             <a:r>
               <a:rPr lang="de-CH" baseline="0" dirty="0" err="1"/>
@@ -15446,7 +15440,7 @@
               <a:t>limitations</a:t>
             </a:r>
             <a:r>
-              <a:rPr lang="de-CH" baseline="0"/>
+              <a:rPr lang="de-CH" baseline="0" dirty="0"/>
               <a:t> and an </a:t>
             </a:r>
             <a:r>
@@ -16812,7 +16806,7 @@
     </p:spTree>
     <p:extLst>
       <p:ext uri="{BB962C8B-B14F-4D97-AF65-F5344CB8AC3E}">
-        <p14:creationId xmlns:p14="http://schemas.microsoft.com/office/powerpoint/2010/main" val="2919474434"/>
+        <p14:creationId xmlns:p14="http://schemas.microsoft.com/office/powerpoint/2010/main" val="978172659"/>
       </p:ext>
     </p:extLst>
   </p:cSld>
@@ -21817,7 +21811,7 @@
           </a:ln>
           <a:extLst>
             <a:ext uri="{91240B29-F687-4f45-9708-019B960494DF}">
-              <a14:hiddenLine xmlns="" xmlns:a14="http://schemas.microsoft.com/office/drawing/2010/main" w="9525">
+              <a14:hiddenLine xmlns:a14="http://schemas.microsoft.com/office/drawing/2010/main" xmlns="" w="9525">
                 <a:solidFill>
                   <a:srgbClr val="000000"/>
                 </a:solidFill>
@@ -21977,7 +21971,7 @@
           <a:graphicData uri="http://schemas.openxmlformats.org/presentationml/2006/ole">
             <mc:AlternateContent xmlns:mc="http://schemas.openxmlformats.org/markup-compatibility/2006">
               <mc:Choice xmlns:v="urn:schemas-microsoft-com:vml" Requires="v">
-                <p:oleObj spid="_x0000_s1034" name="think-cell Slide" r:id="rId7" imgW="38100" imgH="38100" progId="TCLayout.ActiveDocument.1">
+                <p:oleObj spid="_x0000_s1042" name="think-cell Slide" r:id="rId7" imgW="38100" imgH="38100" progId="TCLayout.ActiveDocument.1">
                   <p:embed/>
                 </p:oleObj>
               </mc:Choice>
@@ -22019,14 +22013,14 @@
                       </a:ln>
                       <a:extLst>
                         <a:ext uri="{909E8E84-426E-40dd-AFC4-6F175D3DCCD1}">
-                          <a14:hiddenFill xmlns="" xmlns:a14="http://schemas.microsoft.com/office/drawing/2010/main">
+                          <a14:hiddenFill xmlns:a14="http://schemas.microsoft.com/office/drawing/2010/main" xmlns="">
                             <a:solidFill>
                               <a:srgbClr val="FFFFFF"/>
                             </a:solidFill>
                           </a14:hiddenFill>
                         </a:ext>
                         <a:ext uri="{91240B29-F687-4f45-9708-019B960494DF}">
-                          <a14:hiddenLine xmlns="" xmlns:a14="http://schemas.microsoft.com/office/drawing/2010/main" w="9525">
+                          <a14:hiddenLine xmlns:a14="http://schemas.microsoft.com/office/drawing/2010/main" xmlns="" w="9525">
                             <a:solidFill>
                               <a:srgbClr val="000000"/>
                             </a:solidFill>
@@ -22509,14 +22503,14 @@
           </a:ln>
           <a:extLst>
             <a:ext uri="{909E8E84-426E-40dd-AFC4-6F175D3DCCD1}">
-              <a14:hiddenFill xmlns="" xmlns:a14="http://schemas.microsoft.com/office/drawing/2010/main">
+              <a14:hiddenFill xmlns:a14="http://schemas.microsoft.com/office/drawing/2010/main" xmlns="">
                 <a:solidFill>
                   <a:srgbClr val="FFFFFF"/>
                 </a:solidFill>
               </a14:hiddenFill>
             </a:ext>
             <a:ext uri="{91240B29-F687-4f45-9708-019B960494DF}">
-              <a14:hiddenLine xmlns="" xmlns:a14="http://schemas.microsoft.com/office/drawing/2010/main" w="9525">
+              <a14:hiddenLine xmlns:a14="http://schemas.microsoft.com/office/drawing/2010/main" xmlns="" w="9525">
                 <a:solidFill>
                   <a:srgbClr val="000000"/>
                 </a:solidFill>
@@ -22707,7 +22701,7 @@
           </a:ln>
           <a:extLst>
             <a:ext uri="{91240B29-F687-4f45-9708-019B960494DF}">
-              <a14:hiddenLine xmlns="" xmlns:a14="http://schemas.microsoft.com/office/drawing/2010/main" w="9525">
+              <a14:hiddenLine xmlns:a14="http://schemas.microsoft.com/office/drawing/2010/main" xmlns="" w="9525">
                 <a:solidFill>
                   <a:srgbClr val="000000"/>
                 </a:solidFill>
@@ -22867,7 +22861,7 @@
           <a:graphicData uri="http://schemas.openxmlformats.org/presentationml/2006/ole">
             <mc:AlternateContent xmlns:mc="http://schemas.openxmlformats.org/markup-compatibility/2006">
               <mc:Choice xmlns:v="urn:schemas-microsoft-com:vml" Requires="v">
-                <p:oleObj spid="_x0000_s2058" name="think-cell Slide" r:id="rId7" imgW="38100" imgH="38100" progId="TCLayout.ActiveDocument.1">
+                <p:oleObj spid="_x0000_s2066" name="think-cell Slide" r:id="rId7" imgW="38100" imgH="38100" progId="TCLayout.ActiveDocument.1">
                   <p:embed/>
                 </p:oleObj>
               </mc:Choice>
@@ -22909,14 +22903,14 @@
                       </a:ln>
                       <a:extLst>
                         <a:ext uri="{909E8E84-426E-40dd-AFC4-6F175D3DCCD1}">
-                          <a14:hiddenFill xmlns="" xmlns:a14="http://schemas.microsoft.com/office/drawing/2010/main">
+                          <a14:hiddenFill xmlns:a14="http://schemas.microsoft.com/office/drawing/2010/main" xmlns="">
                             <a:solidFill>
                               <a:srgbClr val="FFFFFF"/>
                             </a:solidFill>
                           </a14:hiddenFill>
                         </a:ext>
                         <a:ext uri="{91240B29-F687-4f45-9708-019B960494DF}">
-                          <a14:hiddenLine xmlns="" xmlns:a14="http://schemas.microsoft.com/office/drawing/2010/main" w="9525">
+                          <a14:hiddenLine xmlns:a14="http://schemas.microsoft.com/office/drawing/2010/main" xmlns="" w="9525">
                             <a:solidFill>
                               <a:srgbClr val="000000"/>
                             </a:solidFill>
@@ -23399,14 +23393,14 @@
           </a:ln>
           <a:extLst>
             <a:ext uri="{909E8E84-426E-40dd-AFC4-6F175D3DCCD1}">
-              <a14:hiddenFill xmlns="" xmlns:a14="http://schemas.microsoft.com/office/drawing/2010/main">
+              <a14:hiddenFill xmlns:a14="http://schemas.microsoft.com/office/drawing/2010/main" xmlns="">
                 <a:solidFill>
                   <a:srgbClr val="FFFFFF"/>
                 </a:solidFill>
               </a14:hiddenFill>
             </a:ext>
             <a:ext uri="{91240B29-F687-4f45-9708-019B960494DF}">
-              <a14:hiddenLine xmlns="" xmlns:a14="http://schemas.microsoft.com/office/drawing/2010/main" w="9525">
+              <a14:hiddenLine xmlns:a14="http://schemas.microsoft.com/office/drawing/2010/main" xmlns="" w="9525">
                 <a:solidFill>
                   <a:srgbClr val="000000"/>
                 </a:solidFill>
@@ -23611,14 +23605,14 @@
           </a:ln>
           <a:extLst>
             <a:ext uri="{909E8E84-426E-40dd-AFC4-6F175D3DCCD1}">
-              <a14:hiddenFill xmlns="" xmlns:a14="http://schemas.microsoft.com/office/drawing/2010/main">
+              <a14:hiddenFill xmlns:a14="http://schemas.microsoft.com/office/drawing/2010/main" xmlns="">
                 <a:solidFill>
                   <a:srgbClr val="FFFFFF"/>
                 </a:solidFill>
               </a14:hiddenFill>
             </a:ext>
             <a:ext uri="{91240B29-F687-4f45-9708-019B960494DF}">
-              <a14:hiddenLine xmlns="" xmlns:a14="http://schemas.microsoft.com/office/drawing/2010/main" w="9525">
+              <a14:hiddenLine xmlns:a14="http://schemas.microsoft.com/office/drawing/2010/main" xmlns="" w="9525">
                 <a:solidFill>
                   <a:srgbClr val="000000"/>
                 </a:solidFill>
@@ -25496,7 +25490,7 @@
                 <a:latin typeface="Neutraface Text Bold" charset="0"/>
               </a:rPr>
               <a:pPr algn="r" eaLnBrk="1" hangingPunct="1"/>
-              <a:t>‹#›</a:t>
+              <a:t>‹Nr.›</a:t>
             </a:fld>
             <a:endParaRPr lang="en-US" sz="2800" b="1">
               <a:solidFill>
@@ -26726,14 +26720,14 @@
           </a:ln>
           <a:extLst>
             <a:ext uri="{909E8E84-426E-40dd-AFC4-6F175D3DCCD1}">
-              <a14:hiddenFill xmlns="" xmlns:a14="http://schemas.microsoft.com/office/drawing/2010/main">
+              <a14:hiddenFill xmlns:a14="http://schemas.microsoft.com/office/drawing/2010/main" xmlns="">
                 <a:solidFill>
                   <a:srgbClr val="FFFFFF"/>
                 </a:solidFill>
               </a14:hiddenFill>
             </a:ext>
             <a:ext uri="{91240B29-F687-4f45-9708-019B960494DF}">
-              <a14:hiddenLine xmlns="" xmlns:a14="http://schemas.microsoft.com/office/drawing/2010/main" w="9525">
+              <a14:hiddenLine xmlns:a14="http://schemas.microsoft.com/office/drawing/2010/main" xmlns="" w="9525">
                 <a:solidFill>
                   <a:srgbClr val="000000"/>
                 </a:solidFill>
@@ -27428,7 +27422,7 @@
           </a:xfrm>
           <a:extLst>
             <a:ext uri="{91240B29-F687-4f45-9708-019B960494DF}">
-              <a14:hiddenLine xmlns="" xmlns:a14="http://schemas.microsoft.com/office/drawing/2010/main" w="9525">
+              <a14:hiddenLine xmlns:a14="http://schemas.microsoft.com/office/drawing/2010/main" xmlns="" w="9525">
                 <a:solidFill>
                   <a:srgbClr val="000000"/>
                 </a:solidFill>
@@ -27456,15 +27450,31 @@
               </a:spcAft>
             </a:pPr>
             <a:r>
-              <a:rPr lang="de-CH">
+              <a:rPr lang="de-CH" dirty="0">
                 <a:latin typeface="Source Sans Pro Semibold" charset="0"/>
                 <a:ea typeface="ヒラギノ角ゴ ProN W3" charset="0"/>
                 <a:cs typeface="Source Sans Pro Semibold" charset="0"/>
               </a:rPr>
-              <a:t>Visual Listening: Extracting </a:t>
-            </a:r>
-            <a:r>
-              <a:rPr lang="de-CH">
+              <a:t>Visual Listening In: </a:t>
+            </a:r>
+            <a:r>
+              <a:rPr lang="de-CH" dirty="0" err="1">
+                <a:latin typeface="Source Sans Pro Semibold" charset="0"/>
+                <a:ea typeface="ヒラギノ角ゴ ProN W3" charset="0"/>
+                <a:cs typeface="Source Sans Pro Semibold" charset="0"/>
+              </a:rPr>
+              <a:t>Extracting</a:t>
+            </a:r>
+            <a:r>
+              <a:rPr lang="de-CH" dirty="0">
+                <a:latin typeface="Source Sans Pro Semibold" charset="0"/>
+                <a:ea typeface="ヒラギノ角ゴ ProN W3" charset="0"/>
+                <a:cs typeface="Source Sans Pro Semibold" charset="0"/>
+              </a:rPr>
+              <a:t> </a:t>
+            </a:r>
+            <a:r>
+              <a:rPr lang="de-CH" dirty="0">
                 <a:solidFill>
                   <a:schemeClr val="bg1"/>
                 </a:solidFill>
@@ -27475,12 +27485,36 @@
               <a:t>Brand Image </a:t>
             </a:r>
             <a:r>
-              <a:rPr lang="de-CH">
+              <a:rPr lang="de-CH" dirty="0" err="1">
                 <a:latin typeface="Source Sans Pro Semibold" charset="0"/>
                 <a:ea typeface="ヒラギノ角ゴ ProN W3" charset="0"/>
                 <a:cs typeface="Source Sans Pro Semibold" charset="0"/>
               </a:rPr>
-              <a:t>Portrayed on Social Media</a:t>
+              <a:t>Portrayed</a:t>
+            </a:r>
+            <a:r>
+              <a:rPr lang="de-CH" dirty="0">
+                <a:latin typeface="Source Sans Pro Semibold" charset="0"/>
+                <a:ea typeface="ヒラギノ角ゴ ProN W3" charset="0"/>
+                <a:cs typeface="Source Sans Pro Semibold" charset="0"/>
+              </a:rPr>
+              <a:t> on </a:t>
+            </a:r>
+            <a:r>
+              <a:rPr lang="de-CH" dirty="0" err="1">
+                <a:latin typeface="Source Sans Pro Semibold" charset="0"/>
+                <a:ea typeface="ヒラギノ角ゴ ProN W3" charset="0"/>
+                <a:cs typeface="Source Sans Pro Semibold" charset="0"/>
+              </a:rPr>
+              <a:t>Social</a:t>
+            </a:r>
+            <a:r>
+              <a:rPr lang="de-CH" dirty="0">
+                <a:latin typeface="Source Sans Pro Semibold" charset="0"/>
+                <a:ea typeface="ヒラギノ角ゴ ProN W3" charset="0"/>
+                <a:cs typeface="Source Sans Pro Semibold" charset="0"/>
+              </a:rPr>
+              <a:t> Media</a:t>
             </a:r>
           </a:p>
           <a:p>
@@ -27493,14 +27527,14 @@
               </a:spcAft>
             </a:pPr>
             <a:r>
-              <a:rPr lang="en-US">
+              <a:rPr lang="en-US" dirty="0">
                 <a:latin typeface="Neutraface Text Book" charset="0"/>
                 <a:ea typeface="ヒラギノ角ゴ ProN W3" charset="0"/>
                 <a:cs typeface="Neutraface Text Book" charset="0"/>
               </a:rPr>
-              <a:t>21 April 2020 - Zurich</a:t>
-            </a:r>
-            <a:endParaRPr lang="de-CH">
+              <a:t>27 April 2020 - Zurich</a:t>
+            </a:r>
+            <a:endParaRPr lang="de-CH" dirty="0">
               <a:latin typeface="Source Sans Pro Semibold" charset="0"/>
               <a:ea typeface="ヒラギノ角ゴ ProN W3" charset="0"/>
               <a:cs typeface="Source Sans Pro Semibold" charset="0"/>
@@ -27526,14 +27560,14 @@
           <a:noFill/>
           <a:extLst>
             <a:ext uri="{909E8E84-426E-40dd-AFC4-6F175D3DCCD1}">
-              <a14:hiddenFill xmlns="" xmlns:a14="http://schemas.microsoft.com/office/drawing/2010/main">
+              <a14:hiddenFill xmlns:a14="http://schemas.microsoft.com/office/drawing/2010/main" xmlns="">
                 <a:solidFill>
                   <a:srgbClr val="FFFFFF"/>
                 </a:solidFill>
               </a14:hiddenFill>
             </a:ext>
             <a:ext uri="{91240B29-F687-4f45-9708-019B960494DF}">
-              <a14:hiddenLine xmlns="" xmlns:a14="http://schemas.microsoft.com/office/drawing/2010/main" w="9525">
+              <a14:hiddenLine xmlns:a14="http://schemas.microsoft.com/office/drawing/2010/main" xmlns="" w="9525">
                 <a:solidFill>
                   <a:srgbClr val="000000"/>
                 </a:solidFill>
@@ -27543,7 +27577,7 @@
               </a14:hiddenLine>
             </a:ext>
             <a:ext uri="{FAA26D3D-D897-4be2-8F04-BA451C77F1D7}">
-              <ma14:placeholderFlag xmlns="" xmlns:ma14="http://schemas.microsoft.com/office/mac/drawingml/2011/main" val="1"/>
+              <ma14:placeholderFlag xmlns:ma14="http://schemas.microsoft.com/office/mac/drawingml/2011/main" xmlns="" val="1"/>
             </a:ext>
           </a:extLst>
         </p:spPr>
@@ -27593,14 +27627,14 @@
           <a:noFill/>
           <a:extLst>
             <a:ext uri="{909E8E84-426E-40dd-AFC4-6F175D3DCCD1}">
-              <a14:hiddenFill xmlns="" xmlns:a14="http://schemas.microsoft.com/office/drawing/2010/main">
+              <a14:hiddenFill xmlns:a14="http://schemas.microsoft.com/office/drawing/2010/main" xmlns="">
                 <a:solidFill>
                   <a:srgbClr val="FFFFFF"/>
                 </a:solidFill>
               </a14:hiddenFill>
             </a:ext>
             <a:ext uri="{91240B29-F687-4f45-9708-019B960494DF}">
-              <a14:hiddenLine xmlns="" xmlns:a14="http://schemas.microsoft.com/office/drawing/2010/main" w="9525">
+              <a14:hiddenLine xmlns:a14="http://schemas.microsoft.com/office/drawing/2010/main" xmlns="" w="9525">
                 <a:solidFill>
                   <a:srgbClr val="000000"/>
                 </a:solidFill>
@@ -27664,7 +27698,7 @@
           <a:effectLst/>
           <a:extLst>
             <a:ext uri="{AF507438-7753-43e0-B8FC-AC1667EBCBE1}">
-              <a14:hiddenEffects xmlns="" xmlns:a14="http://schemas.microsoft.com/office/drawing/2010/main">
+              <a14:hiddenEffects xmlns:a14="http://schemas.microsoft.com/office/drawing/2010/main" xmlns="">
                 <a:effectLst>
                   <a:outerShdw blurRad="63500" dist="38099" dir="2700000" algn="ctr" rotWithShape="0">
                     <a:schemeClr val="bg2">
@@ -27677,78 +27711,6 @@
           </a:extLst>
         </p:spPr>
       </p:cxnSp>
-      <p:sp>
-        <p:nvSpPr>
-          <p:cNvPr id="2" name="TextBox 1"/>
-          <p:cNvSpPr txBox="1"/>
-          <p:nvPr/>
-        </p:nvSpPr>
-        <p:spPr>
-          <a:xfrm>
-            <a:off x="-1870806" y="80628"/>
-            <a:ext cx="1757139" cy="3046988"/>
-          </a:xfrm>
-          <a:prstGeom prst="rect">
-            <a:avLst/>
-          </a:prstGeom>
-          <a:solidFill>
-            <a:srgbClr val="FFD13F"/>
-          </a:solidFill>
-        </p:spPr>
-        <p:txBody>
-          <a:bodyPr wrap="square" rtlCol="0">
-            <a:spAutoFit/>
-          </a:bodyPr>
-          <a:lstStyle/>
-          <a:p>
-            <a:r>
-              <a:rPr lang="en-US" sz="1200"/>
-              <a:t>The final PowerPoint presentation should be max. 5 slide describing briefly </a:t>
-            </a:r>
-          </a:p>
-          <a:p>
-            <a:r>
-              <a:rPr lang="en-US" sz="1200">
-                <a:solidFill>
-                  <a:srgbClr val="00B050"/>
-                </a:solidFill>
-              </a:rPr>
-              <a:t>(1) the task </a:t>
-            </a:r>
-          </a:p>
-          <a:p>
-            <a:r>
-              <a:rPr lang="en-US" sz="1200"/>
-              <a:t>(2) the input/output </a:t>
-            </a:r>
-          </a:p>
-          <a:p>
-            <a:r>
-              <a:rPr lang="en-US" sz="1200">
-                <a:solidFill>
-                  <a:srgbClr val="00B050"/>
-                </a:solidFill>
-              </a:rPr>
-              <a:t>(3) all steps taken (process flow diagram)</a:t>
-            </a:r>
-          </a:p>
-          <a:p>
-            <a:r>
-              <a:rPr lang="en-US" sz="1200"/>
-              <a:t>(4) the main problems for each step</a:t>
-            </a:r>
-          </a:p>
-          <a:p>
-            <a:r>
-              <a:rPr lang="en-US" sz="1200"/>
-              <a:t>(5) the (meaningful) ways to improve your projects furthers if you would have gotten more time</a:t>
-            </a:r>
-          </a:p>
-          <a:p>
-            <a:endParaRPr lang="en-US" sz="1200"/>
-          </a:p>
-        </p:txBody>
-      </p:sp>
     </p:spTree>
   </p:cSld>
   <p:clrMapOvr>
@@ -27793,14 +27755,14 @@
           <a:noFill/>
           <a:extLst>
             <a:ext uri="{909E8E84-426E-40dd-AFC4-6F175D3DCCD1}">
-              <a14:hiddenFill xmlns="" xmlns:a14="http://schemas.microsoft.com/office/drawing/2010/main">
+              <a14:hiddenFill xmlns:a14="http://schemas.microsoft.com/office/drawing/2010/main" xmlns="">
                 <a:solidFill>
                   <a:srgbClr val="FFFFFF"/>
                 </a:solidFill>
               </a14:hiddenFill>
             </a:ext>
             <a:ext uri="{91240B29-F687-4f45-9708-019B960494DF}">
-              <a14:hiddenLine xmlns="" xmlns:a14="http://schemas.microsoft.com/office/drawing/2010/main" w="9525">
+              <a14:hiddenLine xmlns:a14="http://schemas.microsoft.com/office/drawing/2010/main" xmlns="" w="9525">
                 <a:solidFill>
                   <a:srgbClr val="000000"/>
                 </a:solidFill>
@@ -27853,14 +27815,14 @@
           <a:noFill/>
           <a:extLst>
             <a:ext uri="{909E8E84-426E-40dd-AFC4-6F175D3DCCD1}">
-              <a14:hiddenFill xmlns="" xmlns:a14="http://schemas.microsoft.com/office/drawing/2010/main">
+              <a14:hiddenFill xmlns:a14="http://schemas.microsoft.com/office/drawing/2010/main" xmlns="">
                 <a:solidFill>
                   <a:srgbClr val="FFFFFF"/>
                 </a:solidFill>
               </a14:hiddenFill>
             </a:ext>
             <a:ext uri="{91240B29-F687-4f45-9708-019B960494DF}">
-              <a14:hiddenLine xmlns="" xmlns:a14="http://schemas.microsoft.com/office/drawing/2010/main" w="9525">
+              <a14:hiddenLine xmlns:a14="http://schemas.microsoft.com/office/drawing/2010/main" xmlns="" w="9525">
                 <a:solidFill>
                   <a:srgbClr val="000000"/>
                 </a:solidFill>
@@ -28234,8 +28196,8 @@
               <a:defRPr/>
             </a:pPr>
             <a:r>
-              <a:rPr lang="de-DE"/>
-              <a:t>AI4Marketing</a:t>
+              <a:rPr lang="de-DE" dirty="0"/>
+              <a:t>DL4Marketing</a:t>
             </a:r>
           </a:p>
         </p:txBody>
@@ -28258,14 +28220,14 @@
           <a:noFill/>
           <a:extLst>
             <a:ext uri="{909E8E84-426E-40dd-AFC4-6F175D3DCCD1}">
-              <a14:hiddenFill xmlns="" xmlns:a14="http://schemas.microsoft.com/office/drawing/2010/main">
+              <a14:hiddenFill xmlns:a14="http://schemas.microsoft.com/office/drawing/2010/main" xmlns="">
                 <a:solidFill>
                   <a:srgbClr val="FFFFFF"/>
                 </a:solidFill>
               </a14:hiddenFill>
             </a:ext>
             <a:ext uri="{91240B29-F687-4f45-9708-019B960494DF}">
-              <a14:hiddenLine xmlns="" xmlns:a14="http://schemas.microsoft.com/office/drawing/2010/main" w="9525">
+              <a14:hiddenLine xmlns:a14="http://schemas.microsoft.com/office/drawing/2010/main" xmlns="" w="9525">
                 <a:solidFill>
                   <a:srgbClr val="000000"/>
                 </a:solidFill>
@@ -28275,7 +28237,7 @@
               </a14:hiddenLine>
             </a:ext>
             <a:ext uri="{FAA26D3D-D897-4be2-8F04-BA451C77F1D7}">
-              <ma14:placeholderFlag xmlns="" xmlns:ma14="http://schemas.microsoft.com/office/mac/drawingml/2011/main" val="1"/>
+              <ma14:placeholderFlag xmlns:ma14="http://schemas.microsoft.com/office/mac/drawingml/2011/main" xmlns="" val="1"/>
             </a:ext>
           </a:extLst>
         </p:spPr>
@@ -28354,14 +28316,14 @@
           <a:noFill/>
           <a:extLst>
             <a:ext uri="{909E8E84-426E-40dd-AFC4-6F175D3DCCD1}">
-              <a14:hiddenFill xmlns="" xmlns:a14="http://schemas.microsoft.com/office/drawing/2010/main">
+              <a14:hiddenFill xmlns:a14="http://schemas.microsoft.com/office/drawing/2010/main" xmlns="">
                 <a:solidFill>
                   <a:srgbClr val="FFFFFF"/>
                 </a:solidFill>
               </a14:hiddenFill>
             </a:ext>
             <a:ext uri="{91240B29-F687-4f45-9708-019B960494DF}">
-              <a14:hiddenLine xmlns="" xmlns:a14="http://schemas.microsoft.com/office/drawing/2010/main" w="9525">
+              <a14:hiddenLine xmlns:a14="http://schemas.microsoft.com/office/drawing/2010/main" xmlns="" w="9525">
                 <a:solidFill>
                   <a:srgbClr val="000000"/>
                 </a:solidFill>
@@ -28409,14 +28371,14 @@
           <a:noFill/>
           <a:extLst>
             <a:ext uri="{909E8E84-426E-40dd-AFC4-6F175D3DCCD1}">
-              <a14:hiddenFill xmlns="" xmlns:a14="http://schemas.microsoft.com/office/drawing/2010/main">
+              <a14:hiddenFill xmlns:a14="http://schemas.microsoft.com/office/drawing/2010/main" xmlns="">
                 <a:solidFill>
                   <a:srgbClr val="FFFFFF"/>
                 </a:solidFill>
               </a14:hiddenFill>
             </a:ext>
             <a:ext uri="{91240B29-F687-4f45-9708-019B960494DF}">
-              <a14:hiddenLine xmlns="" xmlns:a14="http://schemas.microsoft.com/office/drawing/2010/main" w="9525">
+              <a14:hiddenLine xmlns:a14="http://schemas.microsoft.com/office/drawing/2010/main" xmlns="" w="9525">
                 <a:solidFill>
                   <a:srgbClr val="000000"/>
                 </a:solidFill>
@@ -28437,10 +28399,10 @@
           <a:p>
             <a:pPr marL="0" indent="0">
               <a:spcBef>
-                <a:spcPts val="0"/>
+                <a:spcPts val="300"/>
               </a:spcBef>
               <a:spcAft>
-                <a:spcPts val="0"/>
+                <a:spcPts val="300"/>
               </a:spcAft>
               <a:buNone/>
               <a:tabLst>
@@ -28483,10 +28445,10 @@
           <a:p>
             <a:pPr marL="0" indent="0">
               <a:spcBef>
-                <a:spcPts val="0"/>
+                <a:spcPts val="300"/>
               </a:spcBef>
               <a:spcAft>
-                <a:spcPts val="0"/>
+                <a:spcPts val="300"/>
               </a:spcAft>
               <a:buNone/>
               <a:tabLst>
@@ -28557,13 +28519,13 @@
           <p:nvPr>
             <p:extLst>
               <p:ext uri="{D42A27DB-BD31-4B8C-83A1-F6EECF244321}">
-                <p14:modId xmlns:p14="http://schemas.microsoft.com/office/powerpoint/2010/main" val="2764603965"/>
+                <p14:modId xmlns:p14="http://schemas.microsoft.com/office/powerpoint/2010/main" val="1555008760"/>
               </p:ext>
             </p:extLst>
           </p:nvPr>
         </p:nvGraphicFramePr>
         <p:xfrm>
-          <a:off x="619125" y="3533783"/>
+          <a:off x="568728" y="3717032"/>
           <a:ext cx="2173635" cy="1673889"/>
         </p:xfrm>
         <a:graphic>
@@ -28587,13 +28549,13 @@
           <p:nvPr>
             <p:extLst>
               <p:ext uri="{D42A27DB-BD31-4B8C-83A1-F6EECF244321}">
-                <p14:modId xmlns:p14="http://schemas.microsoft.com/office/powerpoint/2010/main" val="2947203165"/>
+                <p14:modId xmlns:p14="http://schemas.microsoft.com/office/powerpoint/2010/main" val="2664247576"/>
               </p:ext>
             </p:extLst>
           </p:nvPr>
         </p:nvGraphicFramePr>
         <p:xfrm>
-          <a:off x="7099443" y="3533783"/>
+          <a:off x="7172016" y="3726017"/>
           <a:ext cx="2173635" cy="1611195"/>
         </p:xfrm>
         <a:graphic>
@@ -28617,13 +28579,13 @@
           <p:nvPr>
             <p:extLst>
               <p:ext uri="{D42A27DB-BD31-4B8C-83A1-F6EECF244321}">
-                <p14:modId xmlns:p14="http://schemas.microsoft.com/office/powerpoint/2010/main" val="1301867484"/>
+                <p14:modId xmlns:p14="http://schemas.microsoft.com/office/powerpoint/2010/main" val="1340853970"/>
               </p:ext>
             </p:extLst>
           </p:nvPr>
         </p:nvGraphicFramePr>
         <p:xfrm>
-          <a:off x="3859284" y="3502692"/>
+          <a:off x="3866182" y="3573016"/>
           <a:ext cx="2173635" cy="973573"/>
         </p:xfrm>
         <a:graphic>
@@ -28647,13 +28609,13 @@
           <p:nvPr>
             <p:extLst>
               <p:ext uri="{D42A27DB-BD31-4B8C-83A1-F6EECF244321}">
-                <p14:modId xmlns:p14="http://schemas.microsoft.com/office/powerpoint/2010/main" val="182136728"/>
+                <p14:modId xmlns:p14="http://schemas.microsoft.com/office/powerpoint/2010/main" val="1734153215"/>
               </p:ext>
             </p:extLst>
           </p:nvPr>
         </p:nvGraphicFramePr>
         <p:xfrm>
-          <a:off x="3866182" y="4777992"/>
+          <a:off x="3866182" y="5265204"/>
           <a:ext cx="2173635" cy="973573"/>
         </p:xfrm>
         <a:graphic>
@@ -28690,7 +28652,7 @@
         </p:blipFill>
         <p:spPr>
           <a:xfrm rot="21087087">
-            <a:off x="2897324" y="3665937"/>
+            <a:off x="2897324" y="3775610"/>
             <a:ext cx="720000" cy="720000"/>
           </a:xfrm>
           <a:prstGeom prst="rect">
@@ -28726,7 +28688,7 @@
         </p:blipFill>
         <p:spPr>
           <a:xfrm rot="3292379">
-            <a:off x="6319537" y="3626014"/>
+            <a:off x="6282710" y="3750598"/>
             <a:ext cx="720000" cy="720000"/>
           </a:xfrm>
           <a:prstGeom prst="rect">
@@ -28762,7 +28724,7 @@
         </p:blipFill>
         <p:spPr>
           <a:xfrm>
-            <a:off x="1355959" y="4245693"/>
+            <a:off x="1316676" y="4401188"/>
             <a:ext cx="720000" cy="720000"/>
           </a:xfrm>
           <a:prstGeom prst="rect">
@@ -28798,7 +28760,7 @@
         </p:blipFill>
         <p:spPr>
           <a:xfrm>
-            <a:off x="7826260" y="4195650"/>
+            <a:off x="7905328" y="4401188"/>
             <a:ext cx="720000" cy="720000"/>
           </a:xfrm>
           <a:prstGeom prst="rect">
@@ -28834,7 +28796,7 @@
         </p:blipFill>
         <p:spPr>
           <a:xfrm>
-            <a:off x="4586101" y="3747519"/>
+            <a:off x="4586101" y="3825044"/>
             <a:ext cx="720000" cy="720000"/>
           </a:xfrm>
           <a:prstGeom prst="rect">
@@ -28870,7 +28832,7 @@
         </p:blipFill>
         <p:spPr>
           <a:xfrm>
-            <a:off x="4682999" y="5157192"/>
+            <a:off x="4682999" y="5589240"/>
             <a:ext cx="540000" cy="540000"/>
           </a:xfrm>
           <a:prstGeom prst="rect">
@@ -28892,13 +28854,13 @@
         </p:nvSpPr>
         <p:spPr bwMode="auto">
           <a:xfrm>
-            <a:off x="176782" y="5144978"/>
+            <a:off x="144673" y="5476599"/>
             <a:ext cx="2557091" cy="696290"/>
           </a:xfrm>
           <a:prstGeom prst="wedgeRoundRectCallout">
             <a:avLst>
-              <a:gd name="adj1" fmla="val -4092"/>
-              <a:gd name="adj2" fmla="val -84778"/>
+              <a:gd name="adj1" fmla="val -3595"/>
+              <a:gd name="adj2" fmla="val -81130"/>
               <a:gd name="adj3" fmla="val 16667"/>
             </a:avLst>
           </a:prstGeom>
@@ -28915,7 +28877,7 @@
           <a:effectLst/>
           <a:extLst>
             <a:ext uri="{AF507438-7753-43e0-B8FC-AC1667EBCBE1}">
-              <a14:hiddenEffects xmlns="" xmlns:a14="http://schemas.microsoft.com/office/drawing/2010/main">
+              <a14:hiddenEffects xmlns:a14="http://schemas.microsoft.com/office/drawing/2010/main" xmlns="">
                 <a:effectLst>
                   <a:outerShdw blurRad="63500" dist="38099" dir="2700000" algn="ctr" rotWithShape="0">
                     <a:schemeClr val="bg2">
@@ -29075,13 +29037,13 @@
         </p:nvSpPr>
         <p:spPr bwMode="auto">
           <a:xfrm>
-            <a:off x="5550796" y="4462782"/>
+            <a:off x="5454489" y="4581128"/>
             <a:ext cx="1405813" cy="280096"/>
           </a:xfrm>
           <a:prstGeom prst="wedgeRoundRectCallout">
             <a:avLst>
-              <a:gd name="adj1" fmla="val -79324"/>
-              <a:gd name="adj2" fmla="val -6592"/>
+              <a:gd name="adj1" fmla="val -80227"/>
+              <a:gd name="adj2" fmla="val 79557"/>
               <a:gd name="adj3" fmla="val 16667"/>
             </a:avLst>
           </a:prstGeom>
@@ -29098,7 +29060,7 @@
           <a:effectLst/>
           <a:extLst>
             <a:ext uri="{AF507438-7753-43e0-B8FC-AC1667EBCBE1}">
-              <a14:hiddenEffects xmlns="" xmlns:a14="http://schemas.microsoft.com/office/drawing/2010/main">
+              <a14:hiddenEffects xmlns:a14="http://schemas.microsoft.com/office/drawing/2010/main" xmlns="">
                 <a:effectLst>
                   <a:outerShdw blurRad="63500" dist="38099" dir="2700000" algn="ctr" rotWithShape="0">
                     <a:schemeClr val="bg2">
@@ -29135,7 +29097,7 @@
               <a:tabLst/>
             </a:pPr>
             <a:r>
-              <a:rPr kumimoji="0" lang="de-CH" sz="1200" b="0" i="0" u="none" strike="noStrike" cap="none" normalizeH="0" baseline="0">
+              <a:rPr kumimoji="0" lang="de-CH" sz="1200" b="0" i="0" u="none" strike="noStrike" cap="none" normalizeH="0" baseline="0" dirty="0">
                 <a:ln>
                   <a:noFill/>
                 </a:ln>
@@ -29148,8 +29110,37 @@
                 <a:cs typeface="ヒラギノ角ゴ ProN W3" charset="0"/>
                 <a:sym typeface="Neutraface Text Book" charset="0"/>
               </a:rPr>
-              <a:t>Model Prediction</a:t>
-            </a:r>
+              <a:t>Model </a:t>
+            </a:r>
+            <a:r>
+              <a:rPr kumimoji="0" lang="de-CH" sz="1200" b="0" i="0" u="none" strike="noStrike" cap="none" normalizeH="0" baseline="0" dirty="0" err="1">
+                <a:ln>
+                  <a:noFill/>
+                </a:ln>
+                <a:solidFill>
+                  <a:srgbClr val="000000"/>
+                </a:solidFill>
+                <a:effectLst/>
+                <a:latin typeface="Neutraface Text Book" charset="0"/>
+                <a:ea typeface="ヒラギノ角ゴ ProN W3" charset="0"/>
+                <a:cs typeface="ヒラギノ角ゴ ProN W3" charset="0"/>
+                <a:sym typeface="Neutraface Text Book" charset="0"/>
+              </a:rPr>
+              <a:t>Prediction</a:t>
+            </a:r>
+            <a:endParaRPr kumimoji="0" lang="de-CH" sz="1200" b="0" i="0" u="none" strike="noStrike" cap="none" normalizeH="0" baseline="0" dirty="0">
+              <a:ln>
+                <a:noFill/>
+              </a:ln>
+              <a:solidFill>
+                <a:srgbClr val="000000"/>
+              </a:solidFill>
+              <a:effectLst/>
+              <a:latin typeface="Neutraface Text Book" charset="0"/>
+              <a:ea typeface="ヒラギノ角ゴ ProN W3" charset="0"/>
+              <a:cs typeface="ヒラギノ角ゴ ProN W3" charset="0"/>
+              <a:sym typeface="Neutraface Text Book" charset="0"/>
+            </a:endParaRPr>
           </a:p>
         </p:txBody>
       </p:sp>
@@ -29167,13 +29158,13 @@
         </p:nvSpPr>
         <p:spPr bwMode="auto">
           <a:xfrm>
-            <a:off x="8114729" y="5144977"/>
+            <a:off x="7664530" y="5467200"/>
             <a:ext cx="1710490" cy="696291"/>
           </a:xfrm>
           <a:prstGeom prst="wedgeRoundRectCallout">
             <a:avLst>
-              <a:gd name="adj1" fmla="val 3536"/>
-              <a:gd name="adj2" fmla="val -67053"/>
+              <a:gd name="adj1" fmla="val 566"/>
+              <a:gd name="adj2" fmla="val -83469"/>
               <a:gd name="adj3" fmla="val 16667"/>
             </a:avLst>
           </a:prstGeom>
@@ -29190,7 +29181,7 @@
           <a:effectLst/>
           <a:extLst>
             <a:ext uri="{AF507438-7753-43e0-B8FC-AC1667EBCBE1}">
-              <a14:hiddenEffects xmlns="" xmlns:a14="http://schemas.microsoft.com/office/drawing/2010/main">
+              <a14:hiddenEffects xmlns:a14="http://schemas.microsoft.com/office/drawing/2010/main" xmlns="">
                 <a:effectLst>
                   <a:outerShdw blurRad="63500" dist="38099" dir="2700000" algn="ctr" rotWithShape="0">
                     <a:schemeClr val="bg2">
@@ -29305,8 +29296,8 @@
         </p:blipFill>
         <p:spPr>
           <a:xfrm rot="5400000">
-            <a:off x="4830067" y="4452053"/>
-            <a:ext cx="245866" cy="360000"/>
+            <a:off x="4772031" y="4616183"/>
+            <a:ext cx="380650" cy="557352"/>
           </a:xfrm>
           <a:prstGeom prst="rect">
             <a:avLst/>
@@ -29332,14 +29323,14 @@
           <a:noFill/>
           <a:extLst>
             <a:ext uri="{909E8E84-426E-40dd-AFC4-6F175D3DCCD1}">
-              <a14:hiddenFill xmlns="" xmlns:a14="http://schemas.microsoft.com/office/drawing/2010/main">
+              <a14:hiddenFill xmlns:a14="http://schemas.microsoft.com/office/drawing/2010/main" xmlns="">
                 <a:solidFill>
                   <a:srgbClr val="FFFFFF"/>
                 </a:solidFill>
               </a14:hiddenFill>
             </a:ext>
             <a:ext uri="{91240B29-F687-4f45-9708-019B960494DF}">
-              <a14:hiddenLine xmlns="" xmlns:a14="http://schemas.microsoft.com/office/drawing/2010/main" w="9525">
+              <a14:hiddenLine xmlns:a14="http://schemas.microsoft.com/office/drawing/2010/main" xmlns="" w="9525">
                 <a:solidFill>
                   <a:srgbClr val="000000"/>
                 </a:solidFill>
@@ -29349,7 +29340,7 @@
               </a14:hiddenLine>
             </a:ext>
             <a:ext uri="{FAA26D3D-D897-4be2-8F04-BA451C77F1D7}">
-              <ma14:placeholderFlag xmlns="" xmlns:ma14="http://schemas.microsoft.com/office/mac/drawingml/2011/main" val="1"/>
+              <ma14:placeholderFlag xmlns:ma14="http://schemas.microsoft.com/office/mac/drawingml/2011/main" xmlns="" val="1"/>
             </a:ext>
           </a:extLst>
         </p:spPr>
@@ -29633,7 +29624,7 @@
         </p:blipFill>
         <p:spPr>
           <a:xfrm>
-            <a:off x="6659470" y="4733347"/>
+            <a:off x="6659470" y="5006903"/>
             <a:ext cx="439972" cy="438321"/>
           </a:xfrm>
           <a:prstGeom prst="rect">
@@ -29656,7 +29647,7 @@
         </p:blipFill>
         <p:spPr>
           <a:xfrm>
-            <a:off x="6158051" y="4720664"/>
+            <a:off x="6158051" y="4977172"/>
             <a:ext cx="452621" cy="449250"/>
           </a:xfrm>
           <a:prstGeom prst="rect">
@@ -29680,7 +29671,7 @@
         </p:blipFill>
         <p:spPr>
           <a:xfrm>
-            <a:off x="3893075" y="3190279"/>
+            <a:off x="3893075" y="3098839"/>
             <a:ext cx="525280" cy="294157"/>
           </a:xfrm>
           <a:prstGeom prst="rect">
@@ -29703,7 +29694,7 @@
         </p:blipFill>
         <p:spPr>
           <a:xfrm>
-            <a:off x="2514297" y="3190396"/>
+            <a:off x="2514297" y="3025119"/>
             <a:ext cx="433852" cy="439885"/>
           </a:xfrm>
           <a:prstGeom prst="rect">
@@ -29727,7 +29718,7 @@
         </p:blipFill>
         <p:spPr>
           <a:xfrm>
-            <a:off x="1511722" y="3202712"/>
+            <a:off x="1511722" y="3032956"/>
             <a:ext cx="985466" cy="422343"/>
           </a:xfrm>
           <a:prstGeom prst="rect">
@@ -29751,7 +29742,7 @@
         </p:blipFill>
         <p:spPr>
           <a:xfrm>
-            <a:off x="2800634" y="5051277"/>
+            <a:off x="2800634" y="5481228"/>
             <a:ext cx="1007413" cy="426325"/>
           </a:xfrm>
           <a:prstGeom prst="rect">
@@ -29774,7 +29765,7 @@
         </p:blipFill>
         <p:spPr>
           <a:xfrm>
-            <a:off x="6975694" y="5119584"/>
+            <a:off x="6079281" y="5936331"/>
             <a:ext cx="1113034" cy="408993"/>
           </a:xfrm>
           <a:prstGeom prst="rect">
@@ -29798,7 +29789,7 @@
         </p:blipFill>
         <p:spPr>
           <a:xfrm>
-            <a:off x="2970874" y="4699790"/>
+            <a:off x="2900772" y="5049180"/>
             <a:ext cx="751134" cy="292921"/>
           </a:xfrm>
           <a:prstGeom prst="rect">
@@ -29822,7 +29813,7 @@
         </p:blipFill>
         <p:spPr>
           <a:xfrm>
-            <a:off x="3030813" y="5477602"/>
+            <a:off x="2900772" y="6079505"/>
             <a:ext cx="745059" cy="301823"/>
           </a:xfrm>
           <a:prstGeom prst="rect">
@@ -29845,7 +29836,7 @@
         </p:blipFill>
         <p:spPr>
           <a:xfrm>
-            <a:off x="275695" y="3209167"/>
+            <a:off x="275695" y="3068960"/>
             <a:ext cx="1222499" cy="415888"/>
           </a:xfrm>
           <a:prstGeom prst="rect">
@@ -29869,7 +29860,7 @@
         </p:blipFill>
         <p:spPr>
           <a:xfrm>
-            <a:off x="2992984" y="3212995"/>
+            <a:off x="3024311" y="3102800"/>
             <a:ext cx="740557" cy="362204"/>
           </a:xfrm>
           <a:prstGeom prst="rect">
@@ -29893,7 +29884,7 @@
         </p:blipFill>
         <p:spPr>
           <a:xfrm>
-            <a:off x="3004036" y="4255556"/>
+            <a:off x="2972780" y="4509120"/>
             <a:ext cx="591468" cy="318929"/>
           </a:xfrm>
           <a:prstGeom prst="rect">
@@ -29917,7 +29908,7 @@
         </p:blipFill>
         <p:spPr>
           <a:xfrm>
-            <a:off x="4572396" y="3151272"/>
+            <a:off x="4572396" y="3086877"/>
             <a:ext cx="918986" cy="342123"/>
           </a:xfrm>
           <a:prstGeom prst="rect">
@@ -29940,7 +29931,7 @@
         </p:blipFill>
         <p:spPr>
           <a:xfrm>
-            <a:off x="6117347" y="5218678"/>
+            <a:off x="6213140" y="5558978"/>
             <a:ext cx="770607" cy="318294"/>
           </a:xfrm>
           <a:prstGeom prst="rect">
@@ -29963,13 +29954,13 @@
           <p:nvPr>
             <p:extLst>
               <p:ext uri="{D42A27DB-BD31-4B8C-83A1-F6EECF244321}">
-                <p14:modId xmlns:p14="http://schemas.microsoft.com/office/powerpoint/2010/main" val="4104520085"/>
+                <p14:modId xmlns:p14="http://schemas.microsoft.com/office/powerpoint/2010/main" val="3137507104"/>
               </p:ext>
             </p:extLst>
           </p:nvPr>
         </p:nvGraphicFramePr>
         <p:xfrm>
-          <a:off x="6616771" y="2499498"/>
+          <a:off x="6803890" y="2528900"/>
           <a:ext cx="2656307" cy="821490"/>
         </p:xfrm>
         <a:graphic>
@@ -30190,7 +30181,7 @@
     </p:spTree>
     <p:extLst>
       <p:ext uri="{BB962C8B-B14F-4D97-AF65-F5344CB8AC3E}">
-        <p14:creationId xmlns:p14="http://schemas.microsoft.com/office/powerpoint/2010/main" val="1110433661"/>
+        <p14:creationId xmlns:p14="http://schemas.microsoft.com/office/powerpoint/2010/main" val="4244955489"/>
       </p:ext>
     </p:extLst>
   </p:cSld>
@@ -30236,14 +30227,14 @@
           <a:noFill/>
           <a:extLst>
             <a:ext uri="{909E8E84-426E-40dd-AFC4-6F175D3DCCD1}">
-              <a14:hiddenFill xmlns="" xmlns:a14="http://schemas.microsoft.com/office/drawing/2010/main">
+              <a14:hiddenFill xmlns:a14="http://schemas.microsoft.com/office/drawing/2010/main" xmlns="">
                 <a:solidFill>
                   <a:srgbClr val="FFFFFF"/>
                 </a:solidFill>
               </a14:hiddenFill>
             </a:ext>
             <a:ext uri="{91240B29-F687-4f45-9708-019B960494DF}">
-              <a14:hiddenLine xmlns="" xmlns:a14="http://schemas.microsoft.com/office/drawing/2010/main" w="9525">
+              <a14:hiddenLine xmlns:a14="http://schemas.microsoft.com/office/drawing/2010/main" xmlns="" w="9525">
                 <a:solidFill>
                   <a:srgbClr val="000000"/>
                 </a:solidFill>
@@ -30335,14 +30326,14 @@
           <a:noFill/>
           <a:extLst>
             <a:ext uri="{909E8E84-426E-40dd-AFC4-6F175D3DCCD1}">
-              <a14:hiddenFill xmlns="" xmlns:a14="http://schemas.microsoft.com/office/drawing/2010/main">
+              <a14:hiddenFill xmlns:a14="http://schemas.microsoft.com/office/drawing/2010/main" xmlns="">
                 <a:solidFill>
                   <a:srgbClr val="FFFFFF"/>
                 </a:solidFill>
               </a14:hiddenFill>
             </a:ext>
             <a:ext uri="{91240B29-F687-4f45-9708-019B960494DF}">
-              <a14:hiddenLine xmlns="" xmlns:a14="http://schemas.microsoft.com/office/drawing/2010/main" w="9525">
+              <a14:hiddenLine xmlns:a14="http://schemas.microsoft.com/office/drawing/2010/main" xmlns="" w="9525">
                 <a:solidFill>
                   <a:srgbClr val="000000"/>
                 </a:solidFill>
@@ -30352,7 +30343,7 @@
               </a14:hiddenLine>
             </a:ext>
             <a:ext uri="{FAA26D3D-D897-4be2-8F04-BA451C77F1D7}">
-              <ma14:placeholderFlag xmlns="" xmlns:ma14="http://schemas.microsoft.com/office/mac/drawingml/2011/main" val="1"/>
+              <ma14:placeholderFlag xmlns:ma14="http://schemas.microsoft.com/office/mac/drawingml/2011/main" xmlns="" val="1"/>
             </a:ext>
           </a:extLst>
         </p:spPr>
@@ -30628,7 +30619,7 @@
         </p:nvSpPr>
         <p:spPr>
           <a:xfrm>
-            <a:off x="1939591" y="4035725"/>
+            <a:off x="1939591" y="4217020"/>
             <a:ext cx="6793829" cy="2308324"/>
           </a:xfrm>
           <a:prstGeom prst="rect">
@@ -31590,6 +31581,14 @@
           <a:bodyPr/>
           <a:lstStyle/>
           <a:p>
+            <a:pPr>
+              <a:lnSpc>
+                <a:spcPct val="100000"/>
+              </a:lnSpc>
+              <a:spcAft>
+                <a:spcPts val="1200"/>
+              </a:spcAft>
+            </a:pPr>
             <a:r>
               <a:rPr lang="de-CH" b="1" dirty="0"/>
               <a:t> Consumer </a:t>
@@ -31600,11 +31599,7 @@
             </a:r>
             <a:r>
               <a:rPr lang="de-CH" b="1" dirty="0"/>
-              <a:t> </a:t>
-            </a:r>
-            <a:r>
-              <a:rPr lang="de-CH" dirty="0"/>
-              <a:t>- </a:t>
+              <a:t> 					   	 </a:t>
             </a:r>
             <a:r>
               <a:rPr lang="de-CH" dirty="0" err="1"/>
@@ -31648,13 +31643,21 @@
             </a:r>
           </a:p>
           <a:p>
+            <a:pPr>
+              <a:lnSpc>
+                <a:spcPct val="100000"/>
+              </a:lnSpc>
+              <a:spcAft>
+                <a:spcPts val="1200"/>
+              </a:spcAft>
+            </a:pPr>
             <a:r>
               <a:rPr lang="de-CH" b="1" dirty="0"/>
-              <a:t> Benchmarking </a:t>
+              <a:t> Benchmarking 							 </a:t>
             </a:r>
             <a:r>
               <a:rPr lang="de-CH" dirty="0"/>
-              <a:t>- Brand </a:t>
+              <a:t>Brand </a:t>
             </a:r>
             <a:r>
               <a:rPr lang="de-CH" dirty="0" err="1"/>
@@ -31687,6 +31690,14 @@
             <a:endParaRPr lang="de-CH" dirty="0"/>
           </a:p>
           <a:p>
+            <a:pPr>
+              <a:lnSpc>
+                <a:spcPct val="100000"/>
+              </a:lnSpc>
+              <a:spcAft>
+                <a:spcPts val="1200"/>
+              </a:spcAft>
+            </a:pPr>
             <a:r>
               <a:rPr lang="de-CH" b="1" dirty="0"/>
               <a:t> New </a:t>
@@ -31697,11 +31708,7 @@
             </a:r>
             <a:r>
               <a:rPr lang="de-CH" b="1" dirty="0"/>
-              <a:t> </a:t>
-            </a:r>
-            <a:r>
-              <a:rPr lang="de-CH" dirty="0"/>
-              <a:t>- </a:t>
+              <a:t>						 </a:t>
             </a:r>
             <a:r>
               <a:rPr lang="de-CH" dirty="0" err="1"/>
@@ -31808,14 +31815,14 @@
           <a:noFill/>
           <a:extLst>
             <a:ext uri="{909E8E84-426E-40dd-AFC4-6F175D3DCCD1}">
-              <a14:hiddenFill xmlns="" xmlns:a14="http://schemas.microsoft.com/office/drawing/2010/main">
+              <a14:hiddenFill xmlns:a14="http://schemas.microsoft.com/office/drawing/2010/main" xmlns="">
                 <a:solidFill>
                   <a:srgbClr val="FFFFFF"/>
                 </a:solidFill>
               </a14:hiddenFill>
             </a:ext>
             <a:ext uri="{91240B29-F687-4f45-9708-019B960494DF}">
-              <a14:hiddenLine xmlns="" xmlns:a14="http://schemas.microsoft.com/office/drawing/2010/main" w="9525">
+              <a14:hiddenLine xmlns:a14="http://schemas.microsoft.com/office/drawing/2010/main" xmlns="" w="9525">
                 <a:solidFill>
                   <a:srgbClr val="000000"/>
                 </a:solidFill>
@@ -31939,6 +31946,12 @@
           <a:lstStyle/>
           <a:p>
             <a:pPr marL="285750" indent="-285750">
+              <a:spcBef>
+                <a:spcPts val="300"/>
+              </a:spcBef>
+              <a:spcAft>
+                <a:spcPts val="300"/>
+              </a:spcAft>
               <a:buFont typeface="Arial" panose="020B0604020202020204" pitchFamily="34" charset="0"/>
               <a:buChar char="•"/>
             </a:pPr>
@@ -31961,6 +31974,12 @@
           </a:p>
           <a:p>
             <a:pPr marL="0" indent="0">
+              <a:spcBef>
+                <a:spcPts val="300"/>
+              </a:spcBef>
+              <a:spcAft>
+                <a:spcPts val="1200"/>
+              </a:spcAft>
               <a:buNone/>
             </a:pPr>
             <a:r>
@@ -32011,6 +32030,9 @@
               <a:rPr lang="de-CH" dirty="0"/>
               <a:t> Flickr </a:t>
             </a:r>
+            <a:br>
+              <a:rPr lang="de-CH" dirty="0"/>
+            </a:br>
             <a:r>
               <a:rPr lang="de-CH" dirty="0" err="1"/>
               <a:t>using</a:t>
@@ -32065,7 +32087,14 @@
             </a:r>
             <a:r>
               <a:rPr lang="de-CH" dirty="0"/>
-              <a:t> (+ </a:t>
+              <a:t> </a:t>
+            </a:r>
+            <a:br>
+              <a:rPr lang="de-CH" dirty="0"/>
+            </a:br>
+            <a:r>
+              <a:rPr lang="de-CH" dirty="0"/>
+              <a:t>(+ </a:t>
             </a:r>
             <a:r>
               <a:rPr lang="de-CH" dirty="0" err="1"/>
@@ -32126,6 +32155,12 @@
           </a:p>
           <a:p>
             <a:pPr marL="285750" indent="-285750">
+              <a:spcBef>
+                <a:spcPts val="300"/>
+              </a:spcBef>
+              <a:spcAft>
+                <a:spcPts val="300"/>
+              </a:spcAft>
               <a:buFont typeface="Arial" panose="020B0604020202020204" pitchFamily="34" charset="0"/>
               <a:buChar char="•"/>
             </a:pPr>
@@ -32136,6 +32171,12 @@
           </a:p>
           <a:p>
             <a:pPr marL="0" indent="0">
+              <a:spcBef>
+                <a:spcPts val="300"/>
+              </a:spcBef>
+              <a:spcAft>
+                <a:spcPts val="1200"/>
+              </a:spcAft>
               <a:buNone/>
             </a:pPr>
             <a:r>
@@ -32221,6 +32262,12 @@
           </a:p>
           <a:p>
             <a:pPr marL="285750" indent="-285750">
+              <a:spcBef>
+                <a:spcPts val="300"/>
+              </a:spcBef>
+              <a:spcAft>
+                <a:spcPts val="300"/>
+              </a:spcAft>
               <a:buFont typeface="Arial" panose="020B0604020202020204" pitchFamily="34" charset="0"/>
               <a:buChar char="•"/>
             </a:pPr>
@@ -32236,6 +32283,12 @@
           </a:p>
           <a:p>
             <a:pPr marL="0" indent="0">
+              <a:spcBef>
+                <a:spcPts val="300"/>
+              </a:spcBef>
+              <a:spcAft>
+                <a:spcPts val="300"/>
+              </a:spcAft>
               <a:buNone/>
             </a:pPr>
             <a:r>
@@ -32317,13 +32370,13 @@
           <p:nvPr>
             <p:extLst>
               <p:ext uri="{D42A27DB-BD31-4B8C-83A1-F6EECF244321}">
-                <p14:modId xmlns:p14="http://schemas.microsoft.com/office/powerpoint/2010/main" val="368071860"/>
+                <p14:modId xmlns:p14="http://schemas.microsoft.com/office/powerpoint/2010/main" val="1166657445"/>
               </p:ext>
             </p:extLst>
           </p:nvPr>
         </p:nvGraphicFramePr>
         <p:xfrm>
-          <a:off x="7797316" y="2672916"/>
+          <a:off x="7005228" y="2024844"/>
           <a:ext cx="2275698" cy="1008112"/>
         </p:xfrm>
         <a:graphic>
@@ -32416,13 +32469,18 @@
                     <a:p>
                       <a:pPr algn="ctr"/>
                       <a:r>
-                        <a:rPr lang="de-CH" b="1">
+                        <a:rPr lang="de-CH" b="1" dirty="0" err="1">
                           <a:solidFill>
                             <a:schemeClr val="accent4"/>
                           </a:solidFill>
                         </a:rPr>
                         <a:t>Glamorous</a:t>
                       </a:r>
+                      <a:endParaRPr lang="de-CH" b="1" dirty="0">
+                        <a:solidFill>
+                          <a:schemeClr val="accent4"/>
+                        </a:solidFill>
+                      </a:endParaRPr>
                     </a:p>
                   </a:txBody>
                   <a:tcPr anchor="ctr">
@@ -32507,7 +32565,7 @@
           <a:effectLst/>
           <a:extLst>
             <a:ext uri="{AF507438-7753-43e0-B8FC-AC1667EBCBE1}">
-              <a14:hiddenEffects xmlns="" xmlns:a14="http://schemas.microsoft.com/office/drawing/2010/main">
+              <a14:hiddenEffects xmlns:a14="http://schemas.microsoft.com/office/drawing/2010/main" xmlns="">
                 <a:effectLst>
                   <a:outerShdw blurRad="63500" dist="38099" dir="2700000" algn="ctr" rotWithShape="0">
                     <a:schemeClr val="bg2">
@@ -32634,14 +32692,14 @@
           <a:noFill/>
           <a:extLst>
             <a:ext uri="{909E8E84-426E-40dd-AFC4-6F175D3DCCD1}">
-              <a14:hiddenFill xmlns="" xmlns:a14="http://schemas.microsoft.com/office/drawing/2010/main">
+              <a14:hiddenFill xmlns:a14="http://schemas.microsoft.com/office/drawing/2010/main" xmlns="">
                 <a:solidFill>
                   <a:srgbClr val="FFFFFF"/>
                 </a:solidFill>
               </a14:hiddenFill>
             </a:ext>
             <a:ext uri="{91240B29-F687-4f45-9708-019B960494DF}">
-              <a14:hiddenLine xmlns="" xmlns:a14="http://schemas.microsoft.com/office/drawing/2010/main" w="9525">
+              <a14:hiddenLine xmlns:a14="http://schemas.microsoft.com/office/drawing/2010/main" xmlns="" w="9525">
                 <a:solidFill>
                   <a:srgbClr val="000000"/>
                 </a:solidFill>
@@ -32651,7 +32709,7 @@
               </a14:hiddenLine>
             </a:ext>
             <a:ext uri="{FAA26D3D-D897-4be2-8F04-BA451C77F1D7}">
-              <ma14:placeholderFlag xmlns="" xmlns:ma14="http://schemas.microsoft.com/office/mac/drawingml/2011/main" val="1"/>
+              <ma14:placeholderFlag xmlns:ma14="http://schemas.microsoft.com/office/mac/drawingml/2011/main" xmlns="" val="1"/>
             </a:ext>
           </a:extLst>
         </p:spPr>
@@ -32968,14 +33026,14 @@
           <a:noFill/>
           <a:extLst>
             <a:ext uri="{909E8E84-426E-40dd-AFC4-6F175D3DCCD1}">
-              <a14:hiddenFill xmlns="" xmlns:a14="http://schemas.microsoft.com/office/drawing/2010/main">
+              <a14:hiddenFill xmlns:a14="http://schemas.microsoft.com/office/drawing/2010/main" xmlns="">
                 <a:solidFill>
                   <a:srgbClr val="FFFFFF"/>
                 </a:solidFill>
               </a14:hiddenFill>
             </a:ext>
             <a:ext uri="{91240B29-F687-4f45-9708-019B960494DF}">
-              <a14:hiddenLine xmlns="" xmlns:a14="http://schemas.microsoft.com/office/drawing/2010/main" w="9525">
+              <a14:hiddenLine xmlns:a14="http://schemas.microsoft.com/office/drawing/2010/main" xmlns="" w="9525">
                 <a:solidFill>
                   <a:srgbClr val="000000"/>
                 </a:solidFill>
@@ -33134,7 +33192,7 @@
           <a:effectLst/>
           <a:extLst>
             <a:ext uri="{AF507438-7753-43e0-B8FC-AC1667EBCBE1}">
-              <a14:hiddenEffects xmlns="" xmlns:a14="http://schemas.microsoft.com/office/drawing/2010/main">
+              <a14:hiddenEffects xmlns:a14="http://schemas.microsoft.com/office/drawing/2010/main" xmlns="">
                 <a:effectLst>
                   <a:outerShdw blurRad="63500" dist="38099" dir="2700000" algn="ctr" rotWithShape="0">
                     <a:schemeClr val="bg2">
@@ -33287,7 +33345,7 @@
           <a:effectLst/>
           <a:extLst>
             <a:ext uri="{AF507438-7753-43e0-B8FC-AC1667EBCBE1}">
-              <a14:hiddenEffects xmlns="" xmlns:a14="http://schemas.microsoft.com/office/drawing/2010/main">
+              <a14:hiddenEffects xmlns:a14="http://schemas.microsoft.com/office/drawing/2010/main" xmlns="">
                 <a:effectLst>
                   <a:outerShdw blurRad="63500" dist="38099" dir="2700000" algn="ctr" rotWithShape="0">
                     <a:schemeClr val="bg2">
@@ -33378,7 +33436,7 @@
           <a:effectLst/>
           <a:extLst>
             <a:ext uri="{AF507438-7753-43e0-B8FC-AC1667EBCBE1}">
-              <a14:hiddenEffects xmlns="" xmlns:a14="http://schemas.microsoft.com/office/drawing/2010/main">
+              <a14:hiddenEffects xmlns:a14="http://schemas.microsoft.com/office/drawing/2010/main" xmlns="">
                 <a:effectLst>
                   <a:outerShdw blurRad="63500" dist="38099" dir="2700000" algn="ctr" rotWithShape="0">
                     <a:schemeClr val="bg2">
@@ -33469,7 +33527,7 @@
           <a:effectLst/>
           <a:extLst>
             <a:ext uri="{AF507438-7753-43e0-B8FC-AC1667EBCBE1}">
-              <a14:hiddenEffects xmlns="" xmlns:a14="http://schemas.microsoft.com/office/drawing/2010/main">
+              <a14:hiddenEffects xmlns:a14="http://schemas.microsoft.com/office/drawing/2010/main" xmlns="">
                 <a:effectLst>
                   <a:outerShdw blurRad="63500" dist="38099" dir="2700000" algn="ctr" rotWithShape="0">
                     <a:schemeClr val="bg2">
@@ -33560,7 +33618,7 @@
           <a:effectLst/>
           <a:extLst>
             <a:ext uri="{AF507438-7753-43e0-B8FC-AC1667EBCBE1}">
-              <a14:hiddenEffects xmlns="" xmlns:a14="http://schemas.microsoft.com/office/drawing/2010/main">
+              <a14:hiddenEffects xmlns:a14="http://schemas.microsoft.com/office/drawing/2010/main" xmlns="">
                 <a:effectLst>
                   <a:outerShdw blurRad="63500" dist="38099" dir="2700000" algn="ctr" rotWithShape="0">
                     <a:schemeClr val="bg2">
@@ -33651,7 +33709,7 @@
           <a:effectLst/>
           <a:extLst>
             <a:ext uri="{AF507438-7753-43e0-B8FC-AC1667EBCBE1}">
-              <a14:hiddenEffects xmlns="" xmlns:a14="http://schemas.microsoft.com/office/drawing/2010/main">
+              <a14:hiddenEffects xmlns:a14="http://schemas.microsoft.com/office/drawing/2010/main" xmlns="">
                 <a:effectLst>
                   <a:outerShdw blurRad="63500" dist="38099" dir="2700000" algn="ctr" rotWithShape="0">
                     <a:schemeClr val="bg2">
@@ -33743,7 +33801,7 @@
           <a:effectLst/>
           <a:extLst>
             <a:ext uri="{AF507438-7753-43e0-B8FC-AC1667EBCBE1}">
-              <a14:hiddenEffects xmlns="" xmlns:a14="http://schemas.microsoft.com/office/drawing/2010/main">
+              <a14:hiddenEffects xmlns:a14="http://schemas.microsoft.com/office/drawing/2010/main" xmlns="">
                 <a:effectLst>
                   <a:outerShdw blurRad="63500" dist="38099" dir="2700000" algn="ctr" rotWithShape="0">
                     <a:schemeClr val="bg2">
@@ -33894,7 +33952,7 @@
           <a:effectLst/>
           <a:extLst>
             <a:ext uri="{AF507438-7753-43e0-B8FC-AC1667EBCBE1}">
-              <a14:hiddenEffects xmlns="" xmlns:a14="http://schemas.microsoft.com/office/drawing/2010/main">
+              <a14:hiddenEffects xmlns:a14="http://schemas.microsoft.com/office/drawing/2010/main" xmlns="">
                 <a:effectLst>
                   <a:outerShdw blurRad="63500" dist="38099" dir="2700000" algn="ctr" rotWithShape="0">
                     <a:schemeClr val="bg2">
@@ -33985,7 +34043,7 @@
           <a:effectLst/>
           <a:extLst>
             <a:ext uri="{AF507438-7753-43e0-B8FC-AC1667EBCBE1}">
-              <a14:hiddenEffects xmlns="" xmlns:a14="http://schemas.microsoft.com/office/drawing/2010/main">
+              <a14:hiddenEffects xmlns:a14="http://schemas.microsoft.com/office/drawing/2010/main" xmlns="">
                 <a:effectLst>
                   <a:outerShdw blurRad="63500" dist="38099" dir="2700000" algn="ctr" rotWithShape="0">
                     <a:schemeClr val="bg2">
@@ -34072,7 +34130,7 @@
           <a:effectLst/>
           <a:extLst>
             <a:ext uri="{AF507438-7753-43e0-B8FC-AC1667EBCBE1}">
-              <a14:hiddenEffects xmlns="" xmlns:a14="http://schemas.microsoft.com/office/drawing/2010/main">
+              <a14:hiddenEffects xmlns:a14="http://schemas.microsoft.com/office/drawing/2010/main" xmlns="">
                 <a:effectLst>
                   <a:outerShdw blurRad="63500" dist="38099" dir="2700000" algn="ctr" rotWithShape="0">
                     <a:schemeClr val="bg2">
@@ -34161,7 +34219,7 @@
           <a:effectLst/>
           <a:extLst>
             <a:ext uri="{AF507438-7753-43e0-B8FC-AC1667EBCBE1}">
-              <a14:hiddenEffects xmlns="" xmlns:a14="http://schemas.microsoft.com/office/drawing/2010/main">
+              <a14:hiddenEffects xmlns:a14="http://schemas.microsoft.com/office/drawing/2010/main" xmlns="">
                 <a:effectLst>
                   <a:outerShdw blurRad="63500" dist="38099" dir="2700000" algn="ctr" rotWithShape="0">
                     <a:schemeClr val="bg2">
@@ -34209,7 +34267,7 @@
           <a:effectLst/>
           <a:extLst>
             <a:ext uri="{AF507438-7753-43e0-B8FC-AC1667EBCBE1}">
-              <a14:hiddenEffects xmlns="" xmlns:a14="http://schemas.microsoft.com/office/drawing/2010/main">
+              <a14:hiddenEffects xmlns:a14="http://schemas.microsoft.com/office/drawing/2010/main" xmlns="">
                 <a:effectLst>
                   <a:outerShdw blurRad="63500" dist="38099" dir="2700000" algn="ctr" rotWithShape="0">
                     <a:schemeClr val="bg2">
@@ -34260,7 +34318,7 @@
           <a:effectLst/>
           <a:extLst>
             <a:ext uri="{AF507438-7753-43e0-B8FC-AC1667EBCBE1}">
-              <a14:hiddenEffects xmlns="" xmlns:a14="http://schemas.microsoft.com/office/drawing/2010/main">
+              <a14:hiddenEffects xmlns:a14="http://schemas.microsoft.com/office/drawing/2010/main" xmlns="">
                 <a:effectLst>
                   <a:outerShdw blurRad="63500" dist="38099" dir="2700000" algn="ctr" rotWithShape="0">
                     <a:schemeClr val="bg2">
@@ -34310,7 +34368,7 @@
           <a:effectLst/>
           <a:extLst>
             <a:ext uri="{AF507438-7753-43e0-B8FC-AC1667EBCBE1}">
-              <a14:hiddenEffects xmlns="" xmlns:a14="http://schemas.microsoft.com/office/drawing/2010/main">
+              <a14:hiddenEffects xmlns:a14="http://schemas.microsoft.com/office/drawing/2010/main" xmlns="">
                 <a:effectLst>
                   <a:outerShdw blurRad="63500" dist="38099" dir="2700000" algn="ctr" rotWithShape="0">
                     <a:schemeClr val="bg2">
@@ -34360,7 +34418,7 @@
           <a:effectLst/>
           <a:extLst>
             <a:ext uri="{AF507438-7753-43e0-B8FC-AC1667EBCBE1}">
-              <a14:hiddenEffects xmlns="" xmlns:a14="http://schemas.microsoft.com/office/drawing/2010/main">
+              <a14:hiddenEffects xmlns:a14="http://schemas.microsoft.com/office/drawing/2010/main" xmlns="">
                 <a:effectLst>
                   <a:outerShdw blurRad="63500" dist="38099" dir="2700000" algn="ctr" rotWithShape="0">
                     <a:schemeClr val="bg2">
@@ -34411,7 +34469,7 @@
           <a:effectLst/>
           <a:extLst>
             <a:ext uri="{AF507438-7753-43e0-B8FC-AC1667EBCBE1}">
-              <a14:hiddenEffects xmlns="" xmlns:a14="http://schemas.microsoft.com/office/drawing/2010/main">
+              <a14:hiddenEffects xmlns:a14="http://schemas.microsoft.com/office/drawing/2010/main" xmlns="">
                 <a:effectLst>
                   <a:outerShdw blurRad="63500" dist="38099" dir="2700000" algn="ctr" rotWithShape="0">
                     <a:schemeClr val="bg2">
@@ -34462,7 +34520,7 @@
           <a:effectLst/>
           <a:extLst>
             <a:ext uri="{AF507438-7753-43e0-B8FC-AC1667EBCBE1}">
-              <a14:hiddenEffects xmlns="" xmlns:a14="http://schemas.microsoft.com/office/drawing/2010/main">
+              <a14:hiddenEffects xmlns:a14="http://schemas.microsoft.com/office/drawing/2010/main" xmlns="">
                 <a:effectLst>
                   <a:outerShdw blurRad="63500" dist="38099" dir="2700000" algn="ctr" rotWithShape="0">
                     <a:schemeClr val="bg2">
@@ -34510,7 +34568,7 @@
           <a:effectLst/>
           <a:extLst>
             <a:ext uri="{AF507438-7753-43e0-B8FC-AC1667EBCBE1}">
-              <a14:hiddenEffects xmlns="" xmlns:a14="http://schemas.microsoft.com/office/drawing/2010/main">
+              <a14:hiddenEffects xmlns:a14="http://schemas.microsoft.com/office/drawing/2010/main" xmlns="">
                 <a:effectLst>
                   <a:outerShdw blurRad="63500" dist="38099" dir="2700000" algn="ctr" rotWithShape="0">
                     <a:schemeClr val="bg2">
@@ -34597,7 +34655,7 @@
           <a:effectLst/>
           <a:extLst>
             <a:ext uri="{AF507438-7753-43e0-B8FC-AC1667EBCBE1}">
-              <a14:hiddenEffects xmlns="" xmlns:a14="http://schemas.microsoft.com/office/drawing/2010/main">
+              <a14:hiddenEffects xmlns:a14="http://schemas.microsoft.com/office/drawing/2010/main" xmlns="">
                 <a:effectLst>
                   <a:outerShdw blurRad="63500" dist="38099" dir="2700000" algn="ctr" rotWithShape="0">
                     <a:schemeClr val="bg2">
@@ -34686,7 +34744,7 @@
           <a:effectLst/>
           <a:extLst>
             <a:ext uri="{AF507438-7753-43e0-B8FC-AC1667EBCBE1}">
-              <a14:hiddenEffects xmlns="" xmlns:a14="http://schemas.microsoft.com/office/drawing/2010/main">
+              <a14:hiddenEffects xmlns:a14="http://schemas.microsoft.com/office/drawing/2010/main" xmlns="">
                 <a:effectLst>
                   <a:outerShdw blurRad="63500" dist="38099" dir="2700000" algn="ctr" rotWithShape="0">
                     <a:schemeClr val="bg2">
@@ -35047,7 +35105,7 @@
           <a:effectLst/>
           <a:extLst>
             <a:ext uri="{AF507438-7753-43e0-B8FC-AC1667EBCBE1}">
-              <a14:hiddenEffects xmlns="" xmlns:a14="http://schemas.microsoft.com/office/drawing/2010/main">
+              <a14:hiddenEffects xmlns:a14="http://schemas.microsoft.com/office/drawing/2010/main" xmlns="">
                 <a:effectLst>
                   <a:outerShdw blurRad="63500" dist="38099" dir="2700000" algn="ctr" rotWithShape="0">
                     <a:schemeClr val="bg2">
@@ -35182,14 +35240,14 @@
           <a:noFill/>
           <a:extLst>
             <a:ext uri="{909E8E84-426E-40dd-AFC4-6F175D3DCCD1}">
-              <a14:hiddenFill xmlns="" xmlns:a14="http://schemas.microsoft.com/office/drawing/2010/main">
+              <a14:hiddenFill xmlns:a14="http://schemas.microsoft.com/office/drawing/2010/main" xmlns="">
                 <a:solidFill>
                   <a:srgbClr val="FFFFFF"/>
                 </a:solidFill>
               </a14:hiddenFill>
             </a:ext>
             <a:ext uri="{91240B29-F687-4f45-9708-019B960494DF}">
-              <a14:hiddenLine xmlns="" xmlns:a14="http://schemas.microsoft.com/office/drawing/2010/main" w="9525">
+              <a14:hiddenLine xmlns:a14="http://schemas.microsoft.com/office/drawing/2010/main" xmlns="" w="9525">
                 <a:solidFill>
                   <a:srgbClr val="000000"/>
                 </a:solidFill>
@@ -35199,7 +35257,7 @@
               </a14:hiddenLine>
             </a:ext>
             <a:ext uri="{FAA26D3D-D897-4be2-8F04-BA451C77F1D7}">
-              <ma14:placeholderFlag xmlns="" xmlns:ma14="http://schemas.microsoft.com/office/mac/drawingml/2011/main" val="1"/>
+              <ma14:placeholderFlag xmlns:ma14="http://schemas.microsoft.com/office/mac/drawingml/2011/main" xmlns="" val="1"/>
             </a:ext>
           </a:extLst>
         </p:spPr>
@@ -35286,7 +35344,7 @@
         </p:nvSpPr>
         <p:spPr>
           <a:xfrm>
-            <a:off x="2955578" y="1498784"/>
+            <a:off x="2936776" y="1498784"/>
             <a:ext cx="345356" cy="400110"/>
           </a:xfrm>
           <a:prstGeom prst="rect">
@@ -35330,7 +35388,7 @@
         </p:nvSpPr>
         <p:spPr>
           <a:xfrm>
-            <a:off x="2935300" y="2628992"/>
+            <a:off x="2936776" y="2628992"/>
             <a:ext cx="345356" cy="400110"/>
           </a:xfrm>
           <a:prstGeom prst="rect">
@@ -35506,7 +35564,7 @@
         </p:nvSpPr>
         <p:spPr>
           <a:xfrm>
-            <a:off x="2886598" y="3958683"/>
+            <a:off x="2915456" y="3958683"/>
             <a:ext cx="345356" cy="400110"/>
           </a:xfrm>
           <a:prstGeom prst="rect">
@@ -35579,10 +35637,10 @@
           <a:lstStyle/>
           <a:p>
             <a:r>
-              <a:rPr lang="de-CH" sz="2000" b="1"/>
+              <a:rPr lang="de-CH" sz="2000" b="1" dirty="0"/>
               <a:t>8</a:t>
             </a:r>
-            <a:endParaRPr lang="en-US" sz="2000" b="1"/>
+            <a:endParaRPr lang="en-US" sz="2000" b="1" dirty="0"/>
           </a:p>
         </p:txBody>
       </p:sp>
@@ -35679,14 +35737,14 @@
           <a:noFill/>
           <a:extLst>
             <a:ext uri="{909E8E84-426E-40dd-AFC4-6F175D3DCCD1}">
-              <a14:hiddenFill xmlns="" xmlns:a14="http://schemas.microsoft.com/office/drawing/2010/main">
+              <a14:hiddenFill xmlns:a14="http://schemas.microsoft.com/office/drawing/2010/main" xmlns="">
                 <a:solidFill>
                   <a:srgbClr val="FFFFFF"/>
                 </a:solidFill>
               </a14:hiddenFill>
             </a:ext>
             <a:ext uri="{91240B29-F687-4f45-9708-019B960494DF}">
-              <a14:hiddenLine xmlns="" xmlns:a14="http://schemas.microsoft.com/office/drawing/2010/main" w="9525">
+              <a14:hiddenLine xmlns:a14="http://schemas.microsoft.com/office/drawing/2010/main" xmlns="" w="9525">
                 <a:solidFill>
                   <a:srgbClr val="000000"/>
                 </a:solidFill>
@@ -35696,7 +35754,7 @@
               </a14:hiddenLine>
             </a:ext>
             <a:ext uri="{FAA26D3D-D897-4be2-8F04-BA451C77F1D7}">
-              <ma14:placeholderFlag xmlns="" xmlns:ma14="http://schemas.microsoft.com/office/mac/drawingml/2011/main" val="1"/>
+              <ma14:placeholderFlag xmlns:ma14="http://schemas.microsoft.com/office/mac/drawingml/2011/main" xmlns="" val="1"/>
             </a:ext>
           </a:extLst>
         </p:spPr>
@@ -35799,114 +35857,114 @@
               <a:rPr lang="de-CH" b="1" dirty="0"/>
             </a:br>
             <a:r>
-              <a:rPr lang="de-CH" b="1" dirty="0" err="1"/>
+              <a:rPr lang="de-CH" dirty="0" err="1"/>
               <a:t>adding</a:t>
             </a:r>
             <a:r>
-              <a:rPr lang="de-CH" b="1" dirty="0"/>
+              <a:rPr lang="de-CH" dirty="0"/>
               <a:t> e.g. Pinterest and Twitter </a:t>
             </a:r>
             <a:r>
-              <a:rPr lang="de-CH" b="1" dirty="0" err="1"/>
+              <a:rPr lang="de-CH" dirty="0" err="1"/>
               <a:t>images</a:t>
             </a:r>
             <a:r>
-              <a:rPr lang="de-CH" b="1" dirty="0"/>
+              <a:rPr lang="de-CH" dirty="0"/>
               <a:t>, </a:t>
             </a:r>
             <a:r>
-              <a:rPr lang="de-CH" b="1" dirty="0" err="1"/>
+              <a:rPr lang="de-CH" dirty="0" err="1"/>
               <a:t>matching</a:t>
             </a:r>
             <a:r>
-              <a:rPr lang="de-CH" b="1" dirty="0"/>
+              <a:rPr lang="de-CH" dirty="0"/>
               <a:t> social </a:t>
             </a:r>
             <a:r>
-              <a:rPr lang="de-CH" b="1" dirty="0" err="1"/>
+              <a:rPr lang="de-CH" dirty="0" err="1"/>
               <a:t>media</a:t>
             </a:r>
             <a:r>
-              <a:rPr lang="de-CH" b="1" dirty="0"/>
-              <a:t> </a:t>
-            </a:r>
-            <a:r>
-              <a:rPr lang="de-CH" b="1" dirty="0" err="1"/>
+              <a:rPr lang="de-CH" dirty="0"/>
+              <a:t> </a:t>
+            </a:r>
+            <a:r>
+              <a:rPr lang="de-CH" dirty="0" err="1"/>
               <a:t>handles</a:t>
             </a:r>
             <a:r>
-              <a:rPr lang="de-CH" b="1" dirty="0"/>
-              <a:t> </a:t>
-            </a:r>
-            <a:r>
-              <a:rPr lang="de-CH" b="1" dirty="0" err="1"/>
+              <a:rPr lang="de-CH" dirty="0"/>
+              <a:t> </a:t>
+            </a:r>
+            <a:r>
+              <a:rPr lang="de-CH" dirty="0" err="1"/>
               <a:t>to</a:t>
             </a:r>
             <a:r>
-              <a:rPr lang="de-CH" b="1" dirty="0"/>
-              <a:t> </a:t>
-            </a:r>
-            <a:r>
-              <a:rPr lang="de-CH" b="1" dirty="0" err="1"/>
+              <a:rPr lang="de-CH" dirty="0"/>
+              <a:t> </a:t>
+            </a:r>
+            <a:r>
+              <a:rPr lang="de-CH" dirty="0" err="1"/>
               <a:t>user</a:t>
             </a:r>
             <a:r>
-              <a:rPr lang="de-CH" b="1" dirty="0"/>
-              <a:t> </a:t>
-            </a:r>
-            <a:r>
-              <a:rPr lang="de-CH" b="1" dirty="0" err="1"/>
+              <a:rPr lang="de-CH" dirty="0"/>
+              <a:t> </a:t>
+            </a:r>
+            <a:r>
+              <a:rPr lang="de-CH" dirty="0" err="1"/>
               <a:t>input</a:t>
             </a:r>
             <a:r>
-              <a:rPr lang="de-CH" b="1" dirty="0"/>
+              <a:rPr lang="de-CH" dirty="0"/>
               <a:t>, </a:t>
             </a:r>
             <a:r>
-              <a:rPr lang="de-CH" b="1" dirty="0" err="1"/>
+              <a:rPr lang="de-CH" dirty="0" err="1"/>
               <a:t>performance</a:t>
             </a:r>
             <a:r>
-              <a:rPr lang="de-CH" b="1" dirty="0"/>
-              <a:t> </a:t>
-            </a:r>
-            <a:r>
-              <a:rPr lang="de-CH" b="1" dirty="0" err="1"/>
+              <a:rPr lang="de-CH" dirty="0"/>
+              <a:t> </a:t>
+            </a:r>
+            <a:r>
+              <a:rPr lang="de-CH" dirty="0" err="1"/>
               <a:t>enhancements</a:t>
             </a:r>
             <a:r>
-              <a:rPr lang="de-CH" b="1" dirty="0"/>
-              <a:t> </a:t>
-            </a:r>
-            <a:r>
-              <a:rPr lang="de-CH" b="1" dirty="0" err="1"/>
+              <a:rPr lang="de-CH" dirty="0"/>
+              <a:t> </a:t>
+            </a:r>
+            <a:r>
+              <a:rPr lang="de-CH" dirty="0" err="1"/>
               <a:t>to</a:t>
             </a:r>
             <a:r>
-              <a:rPr lang="de-CH" b="1" dirty="0"/>
-              <a:t> </a:t>
-            </a:r>
-            <a:r>
-              <a:rPr lang="de-CH" b="1" dirty="0" err="1"/>
+              <a:rPr lang="de-CH" dirty="0"/>
+              <a:t> </a:t>
+            </a:r>
+            <a:r>
+              <a:rPr lang="de-CH" dirty="0" err="1"/>
               <a:t>collect</a:t>
             </a:r>
             <a:r>
-              <a:rPr lang="de-CH" b="1" dirty="0"/>
-              <a:t> </a:t>
-            </a:r>
-            <a:r>
-              <a:rPr lang="de-CH" b="1" dirty="0" err="1"/>
+              <a:rPr lang="de-CH" dirty="0"/>
+              <a:t> </a:t>
+            </a:r>
+            <a:r>
+              <a:rPr lang="de-CH" dirty="0" err="1"/>
               <a:t>more</a:t>
             </a:r>
             <a:r>
-              <a:rPr lang="de-CH" b="1" dirty="0"/>
-              <a:t> </a:t>
-            </a:r>
-            <a:r>
-              <a:rPr lang="de-CH" b="1" dirty="0" err="1"/>
+              <a:rPr lang="de-CH" dirty="0"/>
+              <a:t> </a:t>
+            </a:r>
+            <a:r>
+              <a:rPr lang="de-CH" dirty="0" err="1"/>
               <a:t>images</a:t>
             </a:r>
-            <a:endParaRPr lang="de-CH" b="1" dirty="0"/>
+            <a:endParaRPr lang="de-CH" dirty="0"/>
           </a:p>
           <a:p>
             <a:pPr marL="285750" indent="-285750">
@@ -35928,26 +35986,26 @@
               <a:rPr lang="de-CH" b="1" dirty="0"/>
             </a:br>
             <a:r>
-              <a:rPr lang="de-CH" b="1" dirty="0" err="1"/>
+              <a:rPr lang="de-CH" dirty="0" err="1"/>
               <a:t>adding</a:t>
             </a:r>
             <a:r>
-              <a:rPr lang="de-CH" b="1" dirty="0"/>
-              <a:t> </a:t>
-            </a:r>
-            <a:r>
-              <a:rPr lang="de-CH" b="1" dirty="0" err="1"/>
+              <a:rPr lang="de-CH" dirty="0"/>
+              <a:t> </a:t>
+            </a:r>
+            <a:r>
+              <a:rPr lang="de-CH" dirty="0" err="1"/>
               <a:t>more</a:t>
             </a:r>
             <a:r>
-              <a:rPr lang="de-CH" b="1" dirty="0"/>
-              <a:t> </a:t>
-            </a:r>
-            <a:r>
-              <a:rPr lang="de-CH" b="1" dirty="0" err="1"/>
+              <a:rPr lang="de-CH" dirty="0"/>
+              <a:t> </a:t>
+            </a:r>
+            <a:r>
+              <a:rPr lang="de-CH" dirty="0" err="1"/>
               <a:t>attributes</a:t>
             </a:r>
-            <a:endParaRPr lang="de-CH" b="1" dirty="0"/>
+            <a:endParaRPr lang="de-CH" dirty="0"/>
           </a:p>
           <a:p>
             <a:pPr marL="285750" indent="-285750">
@@ -35981,51 +36039,51 @@
               <a:rPr lang="de-CH" b="1" dirty="0"/>
             </a:br>
             <a:r>
-              <a:rPr lang="de-CH" b="1" dirty="0" err="1"/>
+              <a:rPr lang="de-CH" dirty="0" err="1"/>
               <a:t>obtaining</a:t>
             </a:r>
             <a:r>
-              <a:rPr lang="de-CH" b="1" dirty="0"/>
+              <a:rPr lang="de-CH" dirty="0"/>
               <a:t> proper </a:t>
             </a:r>
             <a:r>
-              <a:rPr lang="de-CH" b="1" dirty="0" err="1"/>
+              <a:rPr lang="de-CH" dirty="0" err="1"/>
               <a:t>licenses</a:t>
             </a:r>
             <a:r>
-              <a:rPr lang="de-CH" b="1" dirty="0"/>
-              <a:t> </a:t>
-            </a:r>
-            <a:r>
-              <a:rPr lang="de-CH" b="1" dirty="0" err="1"/>
+              <a:rPr lang="de-CH" dirty="0"/>
+              <a:t> </a:t>
+            </a:r>
+            <a:r>
+              <a:rPr lang="de-CH" dirty="0" err="1"/>
               <a:t>for</a:t>
             </a:r>
             <a:r>
-              <a:rPr lang="de-CH" b="1" dirty="0"/>
-              <a:t> </a:t>
-            </a:r>
-            <a:r>
-              <a:rPr lang="de-CH" b="1" dirty="0" err="1"/>
+              <a:rPr lang="de-CH" dirty="0"/>
+              <a:t> </a:t>
+            </a:r>
+            <a:r>
+              <a:rPr lang="de-CH" dirty="0" err="1"/>
               <a:t>commercialisation</a:t>
             </a:r>
             <a:r>
-              <a:rPr lang="de-CH" b="1" dirty="0"/>
-              <a:t> </a:t>
-            </a:r>
-            <a:r>
-              <a:rPr lang="de-CH" b="1" dirty="0" err="1"/>
+              <a:rPr lang="de-CH" dirty="0"/>
+              <a:t> </a:t>
+            </a:r>
+            <a:r>
+              <a:rPr lang="de-CH" dirty="0" err="1"/>
               <a:t>of</a:t>
             </a:r>
             <a:r>
-              <a:rPr lang="de-CH" b="1" dirty="0"/>
-              <a:t> </a:t>
-            </a:r>
-            <a:r>
-              <a:rPr lang="de-CH" b="1" dirty="0" err="1"/>
+              <a:rPr lang="de-CH" dirty="0"/>
+              <a:t> </a:t>
+            </a:r>
+            <a:r>
+              <a:rPr lang="de-CH" dirty="0" err="1"/>
               <a:t>the</a:t>
             </a:r>
             <a:r>
-              <a:rPr lang="de-CH" b="1" dirty="0"/>
+              <a:rPr lang="de-CH" dirty="0"/>
               <a:t> Web App</a:t>
             </a:r>
           </a:p>
@@ -36039,193 +36097,198 @@
             </a:pPr>
             <a:r>
               <a:rPr lang="de-CH" b="1" dirty="0"/>
-              <a:t>Model</a:t>
-            </a:r>
-            <a:br>
-              <a:rPr lang="de-CH" b="1" dirty="0"/>
-            </a:br>
-            <a:r>
-              <a:rPr lang="de-CH" b="1" dirty="0"/>
+              <a:t>Model									   </a:t>
+            </a:r>
+            <a:r>
+              <a:rPr lang="de-CH" i="1" dirty="0"/>
               <a:t>Hyper-Parameter Tuning </a:t>
             </a:r>
             <a:r>
-              <a:rPr lang="de-CH" b="1" dirty="0" err="1"/>
+              <a:rPr lang="de-CH" dirty="0" err="1"/>
               <a:t>to</a:t>
             </a:r>
             <a:r>
-              <a:rPr lang="de-CH" b="1" dirty="0"/>
+              <a:rPr lang="de-CH" dirty="0"/>
               <a:t> find out </a:t>
             </a:r>
             <a:r>
-              <a:rPr lang="de-CH" b="1" dirty="0" err="1"/>
+              <a:rPr lang="de-CH" dirty="0" err="1"/>
               <a:t>the</a:t>
             </a:r>
             <a:r>
-              <a:rPr lang="de-CH" b="1" dirty="0"/>
-              <a:t> </a:t>
-            </a:r>
-            <a:r>
-              <a:rPr lang="de-CH" b="1" dirty="0" err="1"/>
+              <a:rPr lang="de-CH" dirty="0"/>
+              <a:t> </a:t>
+            </a:r>
+            <a:r>
+              <a:rPr lang="de-CH" dirty="0" err="1"/>
               <a:t>best</a:t>
             </a:r>
             <a:r>
-              <a:rPr lang="de-CH" b="1" dirty="0"/>
-              <a:t> </a:t>
-            </a:r>
-            <a:r>
-              <a:rPr lang="de-CH" b="1" dirty="0" err="1"/>
+              <a:rPr lang="de-CH" dirty="0"/>
+              <a:t> </a:t>
+            </a:r>
+            <a:r>
+              <a:rPr lang="de-CH" dirty="0" err="1"/>
               <a:t>parameters</a:t>
             </a:r>
             <a:r>
-              <a:rPr lang="de-CH" b="1" dirty="0"/>
-              <a:t> </a:t>
-            </a:r>
-            <a:r>
-              <a:rPr lang="de-CH" b="1" dirty="0" err="1"/>
+              <a:rPr lang="de-CH" dirty="0"/>
+              <a:t> </a:t>
+            </a:r>
+            <a:r>
+              <a:rPr lang="de-CH" dirty="0" err="1"/>
               <a:t>for</a:t>
             </a:r>
             <a:r>
-              <a:rPr lang="de-CH" b="1" dirty="0"/>
-              <a:t> </a:t>
-            </a:r>
-            <a:r>
-              <a:rPr lang="de-CH" b="1" dirty="0" err="1"/>
+              <a:rPr lang="de-CH" dirty="0"/>
+              <a:t> </a:t>
+            </a:r>
+            <a:r>
+              <a:rPr lang="de-CH" dirty="0" err="1"/>
               <a:t>the</a:t>
             </a:r>
             <a:r>
-              <a:rPr lang="de-CH" b="1" dirty="0"/>
-              <a:t> </a:t>
-            </a:r>
-            <a:r>
-              <a:rPr lang="de-CH" b="1" dirty="0" err="1"/>
+              <a:rPr lang="de-CH" dirty="0"/>
+              <a:t> </a:t>
+            </a:r>
+            <a:r>
+              <a:rPr lang="de-CH" dirty="0" err="1"/>
               <a:t>models</a:t>
             </a:r>
             <a:r>
-              <a:rPr lang="de-CH" b="1" dirty="0"/>
+              <a:rPr lang="de-CH" dirty="0"/>
               <a:t>, </a:t>
             </a:r>
             <a:r>
-              <a:rPr lang="de-CH" b="1" dirty="0" err="1"/>
+              <a:rPr lang="de-CH" dirty="0" err="1"/>
               <a:t>i.e</a:t>
             </a:r>
             <a:r>
-              <a:rPr lang="de-CH" b="1" dirty="0"/>
+              <a:rPr lang="de-CH" dirty="0"/>
               <a:t> Optimizer, Loss </a:t>
             </a:r>
             <a:r>
-              <a:rPr lang="de-CH" b="1" dirty="0" err="1"/>
+              <a:rPr lang="de-CH" dirty="0" err="1"/>
               <a:t>Function</a:t>
             </a:r>
             <a:r>
-              <a:rPr lang="de-CH" b="1" dirty="0"/>
+              <a:rPr lang="de-CH" dirty="0"/>
               <a:t>, Numbers </a:t>
             </a:r>
             <a:r>
-              <a:rPr lang="de-CH" b="1" dirty="0" err="1"/>
+              <a:rPr lang="de-CH" dirty="0" err="1"/>
               <a:t>of</a:t>
             </a:r>
             <a:r>
-              <a:rPr lang="de-CH" b="1" dirty="0"/>
-              <a:t> </a:t>
-            </a:r>
-            <a:r>
-              <a:rPr lang="de-CH" b="1" dirty="0" err="1"/>
+              <a:rPr lang="de-CH" dirty="0"/>
+              <a:t> </a:t>
+            </a:r>
+            <a:r>
+              <a:rPr lang="de-CH" dirty="0" err="1"/>
               <a:t>layers</a:t>
             </a:r>
             <a:r>
-              <a:rPr lang="de-CH" b="1" dirty="0"/>
-              <a:t> </a:t>
-            </a:r>
-            <a:r>
-              <a:rPr lang="de-CH" b="1" dirty="0" err="1"/>
+              <a:rPr lang="de-CH" dirty="0"/>
+              <a:t> </a:t>
+            </a:r>
+            <a:r>
+              <a:rPr lang="de-CH" dirty="0" err="1"/>
               <a:t>to</a:t>
             </a:r>
             <a:r>
-              <a:rPr lang="de-CH" b="1" dirty="0"/>
-              <a:t> </a:t>
-            </a:r>
-            <a:r>
-              <a:rPr lang="de-CH" b="1" dirty="0" err="1"/>
+              <a:rPr lang="de-CH" dirty="0"/>
+              <a:t> </a:t>
+            </a:r>
+            <a:r>
+              <a:rPr lang="de-CH" dirty="0" err="1"/>
               <a:t>fine</a:t>
             </a:r>
             <a:r>
-              <a:rPr lang="de-CH" b="1" dirty="0"/>
-              <a:t> tune. </a:t>
-            </a:r>
-          </a:p>
-          <a:p>
-            <a:pPr marL="0" indent="0">
-              <a:lnSpc>
-                <a:spcPct val="100000"/>
-              </a:lnSpc>
-              <a:buNone/>
-            </a:pPr>
-            <a:r>
-              <a:rPr lang="de-CH" b="1" dirty="0"/>
-              <a:t>       Multilabel Classification : </a:t>
-            </a:r>
-            <a:r>
-              <a:rPr lang="de-CH" b="1" dirty="0" err="1"/>
-              <a:t>Associating</a:t>
-            </a:r>
-            <a:r>
-              <a:rPr lang="de-CH" b="1" dirty="0"/>
+              <a:rPr lang="de-CH"/>
+              <a:t> tune</a:t>
+            </a:r>
+            <a:r>
+              <a:rPr lang="de-CH" dirty="0"/>
+              <a:t>;</a:t>
+            </a:r>
+            <a:r>
+              <a:rPr lang="de-CH"/>
+              <a:t> </a:t>
+            </a:r>
+            <a:r>
+              <a:rPr lang="de-CH" i="1" dirty="0"/>
+              <a:t>Multilabel Classification </a:t>
+            </a:r>
+            <a:r>
+              <a:rPr lang="de-CH" dirty="0" err="1"/>
+              <a:t>to</a:t>
+            </a:r>
+            <a:r>
+              <a:rPr lang="de-CH" dirty="0"/>
+              <a:t> </a:t>
+            </a:r>
+            <a:r>
+              <a:rPr lang="de-CH" dirty="0" err="1"/>
+              <a:t>associate</a:t>
+            </a:r>
+            <a:r>
+              <a:rPr lang="de-CH" dirty="0"/>
               <a:t> an </a:t>
             </a:r>
             <a:r>
-              <a:rPr lang="de-CH" b="1" dirty="0" err="1"/>
+              <a:rPr lang="de-CH" dirty="0" err="1"/>
               <a:t>image</a:t>
             </a:r>
             <a:r>
-              <a:rPr lang="de-CH" b="1" dirty="0"/>
-              <a:t> </a:t>
-            </a:r>
-            <a:r>
-              <a:rPr lang="de-CH" b="1" dirty="0" err="1"/>
+              <a:rPr lang="de-CH" dirty="0"/>
+              <a:t> </a:t>
+            </a:r>
+            <a:r>
+              <a:rPr lang="de-CH" dirty="0" err="1"/>
               <a:t>with</a:t>
             </a:r>
             <a:r>
-              <a:rPr lang="de-CH" b="1" dirty="0"/>
+              <a:rPr lang="de-CH" dirty="0"/>
               <a:t> multiple </a:t>
             </a:r>
             <a:r>
-              <a:rPr lang="de-CH" b="1" dirty="0" err="1"/>
+              <a:rPr lang="de-CH" dirty="0" err="1"/>
               <a:t>attributes</a:t>
             </a:r>
             <a:r>
-              <a:rPr lang="de-CH" b="1" dirty="0"/>
-              <a:t>, </a:t>
-            </a:r>
-            <a:r>
-              <a:rPr lang="de-CH" b="1" dirty="0" err="1"/>
-              <a:t>inseatd</a:t>
-            </a:r>
-            <a:r>
-              <a:rPr lang="de-CH" b="1" dirty="0"/>
-              <a:t> </a:t>
-            </a:r>
-            <a:r>
-              <a:rPr lang="de-CH" b="1" dirty="0" err="1"/>
+              <a:rPr lang="de-CH" dirty="0"/>
+              <a:t> </a:t>
+            </a:r>
+            <a:r>
+              <a:rPr lang="de-CH" dirty="0" err="1"/>
+              <a:t>instead</a:t>
+            </a:r>
+            <a:r>
+              <a:rPr lang="de-CH" dirty="0"/>
+              <a:t> </a:t>
+            </a:r>
+            <a:r>
+              <a:rPr lang="de-CH" dirty="0" err="1"/>
               <a:t>of</a:t>
             </a:r>
             <a:r>
-              <a:rPr lang="de-CH" b="1" dirty="0"/>
-              <a:t> </a:t>
-            </a:r>
-            <a:r>
-              <a:rPr lang="de-CH" b="1" dirty="0" err="1"/>
+              <a:rPr lang="de-CH" dirty="0"/>
+              <a:t> </a:t>
+            </a:r>
+            <a:r>
+              <a:rPr lang="de-CH" dirty="0" err="1"/>
               <a:t>single</a:t>
             </a:r>
             <a:r>
-              <a:rPr lang="de-CH" b="1" dirty="0"/>
-              <a:t> 	</a:t>
-            </a:r>
-            <a:r>
-              <a:rPr lang="de-CH" b="1" dirty="0" err="1"/>
+              <a:rPr lang="de-CH" dirty="0"/>
+              <a:t> </a:t>
+            </a:r>
+            <a:r>
+              <a:rPr lang="de-CH" dirty="0" err="1"/>
               <a:t>attribute</a:t>
             </a:r>
             <a:r>
-              <a:rPr lang="de-CH" b="1" dirty="0"/>
+              <a:rPr lang="de-CH" dirty="0"/>
               <a:t>. </a:t>
             </a:r>
           </a:p>
@@ -36245,58 +36308,58 @@
               <a:rPr lang="de-CH" b="1" dirty="0"/>
             </a:br>
             <a:r>
-              <a:rPr lang="de-CH" b="1" dirty="0" err="1"/>
+              <a:rPr lang="de-CH" dirty="0" err="1"/>
               <a:t>error</a:t>
             </a:r>
             <a:r>
-              <a:rPr lang="de-CH" b="1" dirty="0"/>
-              <a:t> </a:t>
-            </a:r>
-            <a:r>
-              <a:rPr lang="de-CH" b="1" dirty="0" err="1"/>
+              <a:rPr lang="de-CH" dirty="0"/>
+              <a:t> </a:t>
+            </a:r>
+            <a:r>
+              <a:rPr lang="de-CH" dirty="0" err="1"/>
               <a:t>handling</a:t>
             </a:r>
             <a:r>
-              <a:rPr lang="de-CH" b="1" dirty="0"/>
+              <a:rPr lang="de-CH" dirty="0"/>
               <a:t>, UI </a:t>
             </a:r>
             <a:r>
-              <a:rPr lang="de-CH" b="1" dirty="0" err="1"/>
+              <a:rPr lang="de-CH" dirty="0" err="1"/>
               <a:t>enhancements</a:t>
             </a:r>
             <a:r>
-              <a:rPr lang="de-CH" b="1" dirty="0"/>
+              <a:rPr lang="de-CH" dirty="0"/>
               <a:t>, </a:t>
             </a:r>
             <a:r>
-              <a:rPr lang="de-CH" b="1" dirty="0" err="1"/>
+              <a:rPr lang="de-CH" dirty="0" err="1"/>
               <a:t>database</a:t>
             </a:r>
             <a:r>
-              <a:rPr lang="de-CH" b="1" dirty="0"/>
-              <a:t> </a:t>
-            </a:r>
-            <a:r>
-              <a:rPr lang="de-CH" b="1" dirty="0" err="1"/>
+              <a:rPr lang="de-CH" dirty="0"/>
+              <a:t> </a:t>
+            </a:r>
+            <a:r>
+              <a:rPr lang="de-CH" dirty="0" err="1"/>
               <a:t>integration</a:t>
             </a:r>
             <a:r>
-              <a:rPr lang="de-CH" b="1" dirty="0"/>
+              <a:rPr lang="de-CH" dirty="0"/>
               <a:t>, </a:t>
             </a:r>
             <a:r>
-              <a:rPr lang="de-CH" b="1" dirty="0" err="1"/>
+              <a:rPr lang="de-CH" dirty="0" err="1"/>
               <a:t>image</a:t>
             </a:r>
             <a:r>
-              <a:rPr lang="de-CH" b="1" dirty="0"/>
-              <a:t> </a:t>
-            </a:r>
-            <a:r>
-              <a:rPr lang="de-CH" b="1" dirty="0" err="1"/>
+              <a:rPr lang="de-CH" dirty="0"/>
+              <a:t> </a:t>
+            </a:r>
+            <a:r>
+              <a:rPr lang="de-CH" dirty="0" err="1"/>
               <a:t>display</a:t>
             </a:r>
-            <a:endParaRPr lang="de-CH" b="1" dirty="0"/>
+            <a:endParaRPr lang="de-CH" dirty="0"/>
           </a:p>
           <a:p>
             <a:pPr marL="285750" indent="-285750">
@@ -36314,87 +36377,87 @@
               <a:rPr lang="de-CH" b="1" dirty="0"/>
             </a:br>
             <a:r>
-              <a:rPr lang="de-CH" b="1" dirty="0" err="1"/>
+              <a:rPr lang="de-CH" dirty="0" err="1"/>
               <a:t>starting</a:t>
             </a:r>
             <a:r>
-              <a:rPr lang="de-CH" b="1" dirty="0"/>
-              <a:t> </a:t>
-            </a:r>
-            <a:r>
-              <a:rPr lang="de-CH" b="1" dirty="0" err="1"/>
+              <a:rPr lang="de-CH" dirty="0"/>
+              <a:t> </a:t>
+            </a:r>
+            <a:r>
+              <a:rPr lang="de-CH" dirty="0" err="1"/>
               <a:t>with</a:t>
             </a:r>
             <a:r>
-              <a:rPr lang="de-CH" b="1" dirty="0"/>
+              <a:rPr lang="de-CH" dirty="0"/>
               <a:t> a simple </a:t>
             </a:r>
             <a:r>
-              <a:rPr lang="de-CH" b="1" dirty="0" err="1"/>
+              <a:rPr lang="de-CH" dirty="0" err="1"/>
               <a:t>pipeline</a:t>
             </a:r>
             <a:r>
-              <a:rPr lang="de-CH" b="1" dirty="0"/>
+              <a:rPr lang="de-CH" dirty="0"/>
               <a:t> and </a:t>
             </a:r>
             <a:r>
-              <a:rPr lang="de-CH" b="1" dirty="0" err="1"/>
+              <a:rPr lang="de-CH" dirty="0" err="1"/>
               <a:t>gradually</a:t>
             </a:r>
             <a:r>
-              <a:rPr lang="de-CH" b="1" dirty="0"/>
-              <a:t> </a:t>
-            </a:r>
-            <a:r>
-              <a:rPr lang="de-CH" b="1" dirty="0" err="1"/>
+              <a:rPr lang="de-CH" dirty="0"/>
+              <a:t> </a:t>
+            </a:r>
+            <a:r>
+              <a:rPr lang="de-CH" dirty="0" err="1"/>
               <a:t>increase</a:t>
             </a:r>
             <a:r>
-              <a:rPr lang="de-CH" b="1" dirty="0"/>
+              <a:rPr lang="de-CH" dirty="0"/>
               <a:t> ist </a:t>
             </a:r>
             <a:r>
-              <a:rPr lang="de-CH" b="1" dirty="0" err="1"/>
+              <a:rPr lang="de-CH" dirty="0" err="1"/>
               <a:t>complexity</a:t>
             </a:r>
             <a:r>
-              <a:rPr lang="de-CH" b="1" dirty="0"/>
-              <a:t> </a:t>
-            </a:r>
-            <a:r>
-              <a:rPr lang="de-CH" b="1" dirty="0" err="1"/>
+              <a:rPr lang="de-CH" dirty="0"/>
+              <a:t> </a:t>
+            </a:r>
+            <a:r>
+              <a:rPr lang="de-CH" dirty="0" err="1"/>
               <a:t>to</a:t>
             </a:r>
             <a:r>
-              <a:rPr lang="de-CH" b="1" dirty="0"/>
-              <a:t> </a:t>
-            </a:r>
-            <a:r>
-              <a:rPr lang="de-CH" b="1" dirty="0" err="1"/>
+              <a:rPr lang="de-CH" dirty="0"/>
+              <a:t> </a:t>
+            </a:r>
+            <a:r>
+              <a:rPr lang="de-CH" dirty="0" err="1"/>
               <a:t>better</a:t>
             </a:r>
             <a:r>
-              <a:rPr lang="de-CH" b="1" dirty="0"/>
-              <a:t> </a:t>
-            </a:r>
-            <a:r>
-              <a:rPr lang="de-CH" b="1" dirty="0" err="1"/>
+              <a:rPr lang="de-CH" dirty="0"/>
+              <a:t> </a:t>
+            </a:r>
+            <a:r>
+              <a:rPr lang="de-CH" dirty="0" err="1"/>
               <a:t>understand</a:t>
             </a:r>
             <a:r>
-              <a:rPr lang="de-CH" b="1" dirty="0"/>
-              <a:t> </a:t>
-            </a:r>
-            <a:r>
-              <a:rPr lang="de-CH" b="1" dirty="0" err="1"/>
+              <a:rPr lang="de-CH" dirty="0"/>
+              <a:t> </a:t>
+            </a:r>
+            <a:r>
+              <a:rPr lang="de-CH" dirty="0" err="1"/>
               <a:t>arising</a:t>
             </a:r>
             <a:r>
-              <a:rPr lang="de-CH" b="1" dirty="0"/>
-              <a:t> </a:t>
-            </a:r>
-            <a:r>
-              <a:rPr lang="de-CH" b="1" dirty="0" err="1"/>
+              <a:rPr lang="de-CH" dirty="0"/>
+              <a:t> </a:t>
+            </a:r>
+            <a:r>
+              <a:rPr lang="de-CH" dirty="0" err="1"/>
               <a:t>problems</a:t>
             </a:r>
             <a:endParaRPr lang="de-CH" dirty="0"/>
@@ -36426,14 +36489,14 @@
           <a:noFill/>
           <a:extLst>
             <a:ext uri="{909E8E84-426E-40dd-AFC4-6F175D3DCCD1}">
-              <a14:hiddenFill xmlns="" xmlns:a14="http://schemas.microsoft.com/office/drawing/2010/main">
+              <a14:hiddenFill xmlns:a14="http://schemas.microsoft.com/office/drawing/2010/main" xmlns="">
                 <a:solidFill>
                   <a:srgbClr val="FFFFFF"/>
                 </a:solidFill>
               </a14:hiddenFill>
             </a:ext>
             <a:ext uri="{91240B29-F687-4f45-9708-019B960494DF}">
-              <a14:hiddenLine xmlns="" xmlns:a14="http://schemas.microsoft.com/office/drawing/2010/main" w="9525">
+              <a14:hiddenLine xmlns:a14="http://schemas.microsoft.com/office/drawing/2010/main" xmlns="" w="9525">
                 <a:solidFill>
                   <a:srgbClr val="000000"/>
                 </a:solidFill>
@@ -36443,7 +36506,7 @@
               </a14:hiddenLine>
             </a:ext>
             <a:ext uri="{FAA26D3D-D897-4be2-8F04-BA451C77F1D7}">
-              <ma14:placeholderFlag xmlns="" xmlns:ma14="http://schemas.microsoft.com/office/mac/drawingml/2011/main" val="1"/>
+              <ma14:placeholderFlag xmlns:ma14="http://schemas.microsoft.com/office/mac/drawingml/2011/main" xmlns="" val="1"/>
             </a:ext>
           </a:extLst>
         </p:spPr>
@@ -36522,14 +36585,14 @@
           <a:noFill/>
           <a:extLst>
             <a:ext uri="{909E8E84-426E-40dd-AFC4-6F175D3DCCD1}">
-              <a14:hiddenFill xmlns="" xmlns:a14="http://schemas.microsoft.com/office/drawing/2010/main">
+              <a14:hiddenFill xmlns:a14="http://schemas.microsoft.com/office/drawing/2010/main" xmlns="">
                 <a:solidFill>
                   <a:srgbClr val="FFFFFF"/>
                 </a:solidFill>
               </a14:hiddenFill>
             </a:ext>
             <a:ext uri="{91240B29-F687-4f45-9708-019B960494DF}">
-              <a14:hiddenLine xmlns="" xmlns:a14="http://schemas.microsoft.com/office/drawing/2010/main" w="9525">
+              <a14:hiddenLine xmlns:a14="http://schemas.microsoft.com/office/drawing/2010/main" xmlns="" w="9525">
                 <a:solidFill>
                   <a:srgbClr val="000000"/>
                 </a:solidFill>
@@ -36612,14 +36675,14 @@
           <a:noFill/>
           <a:extLst>
             <a:ext uri="{909E8E84-426E-40dd-AFC4-6F175D3DCCD1}">
-              <a14:hiddenFill xmlns="" xmlns:a14="http://schemas.microsoft.com/office/drawing/2010/main">
+              <a14:hiddenFill xmlns:a14="http://schemas.microsoft.com/office/drawing/2010/main" xmlns="">
                 <a:solidFill>
                   <a:srgbClr val="FFFFFF"/>
                 </a:solidFill>
               </a14:hiddenFill>
             </a:ext>
             <a:ext uri="{91240B29-F687-4f45-9708-019B960494DF}">
-              <a14:hiddenLine xmlns="" xmlns:a14="http://schemas.microsoft.com/office/drawing/2010/main" w="9525">
+              <a14:hiddenLine xmlns:a14="http://schemas.microsoft.com/office/drawing/2010/main" xmlns="" w="9525">
                 <a:solidFill>
                   <a:srgbClr val="000000"/>
                 </a:solidFill>
@@ -36958,7 +37021,7 @@
         <a:effectLst/>
         <a:extLst>
           <a:ext uri="{AF507438-7753-43e0-B8FC-AC1667EBCBE1}">
-            <a14:hiddenEffects xmlns="" xmlns:a14="http://schemas.microsoft.com/office/drawing/2010/main">
+            <a14:hiddenEffects xmlns:a14="http://schemas.microsoft.com/office/drawing/2010/main" xmlns="">
               <a:effectLst>
                 <a:outerShdw blurRad="63500" dist="38099" dir="2700000" algn="ctr" rotWithShape="0">
                   <a:schemeClr val="bg2">
@@ -37036,7 +37099,7 @@
         <a:effectLst/>
         <a:extLst>
           <a:ext uri="{AF507438-7753-43e0-B8FC-AC1667EBCBE1}">
-            <a14:hiddenEffects xmlns="" xmlns:a14="http://schemas.microsoft.com/office/drawing/2010/main">
+            <a14:hiddenEffects xmlns:a14="http://schemas.microsoft.com/office/drawing/2010/main" xmlns="">
               <a:effectLst>
                 <a:outerShdw blurRad="63500" dist="38099" dir="2700000" algn="ctr" rotWithShape="0">
                   <a:schemeClr val="bg2">
